--- a/Manuscript/Figures/05_RESULTS_ROCs.pptx
+++ b/Manuscript/Figures/05_RESULTS_ROCs.pptx
@@ -2,12 +2,12 @@
 <file path=ppt/presentation.xml><?xml version="1.0" encoding="utf-8"?>
 <p:presentation xmlns:a="http://schemas.openxmlformats.org/drawingml/2006/main" xmlns:r="http://schemas.openxmlformats.org/officeDocument/2006/relationships" xmlns:p="http://schemas.openxmlformats.org/presentationml/2006/main" saveSubsetFonts="1">
   <p:sldMasterIdLst>
-    <p:sldMasterId id="2147483756" r:id="rId1"/>
+    <p:sldMasterId id="2147483768" r:id="rId1"/>
   </p:sldMasterIdLst>
   <p:sldIdLst>
-    <p:sldId id="257" r:id="rId2"/>
+    <p:sldId id="258" r:id="rId2"/>
   </p:sldIdLst>
-  <p:sldSz cx="3851275" cy="3095625"/>
+  <p:sldSz cx="2879725" cy="2952750"/>
   <p:notesSz cx="6858000" cy="9144000"/>
   <p:defaultTextStyle>
     <a:defPPr>
@@ -115,7 +115,7 @@
 <file path=ppt/revisionInfo.xml><?xml version="1.0" encoding="utf-8"?>
 <p1510:revInfo xmlns:a="http://schemas.openxmlformats.org/drawingml/2006/main" xmlns:r="http://schemas.openxmlformats.org/officeDocument/2006/relationships" xmlns:p1510="http://schemas.microsoft.com/office/powerpoint/2015/10/main">
   <p1510:revLst>
-    <p1510:client id="{2B8CFFD0-8B40-4E3D-B713-52EDAB93B3BE}" v="22" dt="2022-09-21T14:59:25.704"/>
+    <p1510:client id="{A3491FC9-73E8-4357-B4F0-C25390566EAB}" v="6" dt="2023-11-13T10:29:01.190"/>
   </p1510:revLst>
 </p1510:revInfo>
 </file>
@@ -1065,6 +1065,117 @@
     </pc:docChg>
   </pc:docChgLst>
   <pc:docChgLst>
+    <pc:chgData name="Fatima Pillosu" userId="a6295d4dc9e22643" providerId="LiveId" clId="{A3491FC9-73E8-4357-B4F0-C25390566EAB}"/>
+    <pc:docChg chg="custSel addSld delSld modSld">
+      <pc:chgData name="Fatima Pillosu" userId="a6295d4dc9e22643" providerId="LiveId" clId="{A3491FC9-73E8-4357-B4F0-C25390566EAB}" dt="2023-11-13T10:29:21.366" v="210" actId="1035"/>
+      <pc:docMkLst>
+        <pc:docMk/>
+      </pc:docMkLst>
+      <pc:sldChg chg="addSp delSp modSp del mod">
+        <pc:chgData name="Fatima Pillosu" userId="a6295d4dc9e22643" providerId="LiveId" clId="{A3491FC9-73E8-4357-B4F0-C25390566EAB}" dt="2023-11-13T10:27:22.496" v="121" actId="2696"/>
+        <pc:sldMkLst>
+          <pc:docMk/>
+          <pc:sldMk cId="1692518661" sldId="257"/>
+        </pc:sldMkLst>
+        <pc:picChg chg="add del mod">
+          <ac:chgData name="Fatima Pillosu" userId="a6295d4dc9e22643" providerId="LiveId" clId="{A3491FC9-73E8-4357-B4F0-C25390566EAB}" dt="2023-11-13T10:27:13.211" v="120" actId="478"/>
+          <ac:picMkLst>
+            <pc:docMk/>
+            <pc:sldMk cId="1692518661" sldId="257"/>
+            <ac:picMk id="3" creationId="{F77B1C9A-350E-F05A-44C0-8BEDA93A527B}"/>
+          </ac:picMkLst>
+        </pc:picChg>
+        <pc:picChg chg="del">
+          <ac:chgData name="Fatima Pillosu" userId="a6295d4dc9e22643" providerId="LiveId" clId="{A3491FC9-73E8-4357-B4F0-C25390566EAB}" dt="2023-11-13T10:20:43.703" v="5" actId="478"/>
+          <ac:picMkLst>
+            <pc:docMk/>
+            <pc:sldMk cId="1692518661" sldId="257"/>
+            <ac:picMk id="76" creationId="{D1DFD8A8-DBB2-4B56-B0EC-34525B633039}"/>
+          </ac:picMkLst>
+        </pc:picChg>
+      </pc:sldChg>
+      <pc:sldChg chg="addSp delSp modSp new mod">
+        <pc:chgData name="Fatima Pillosu" userId="a6295d4dc9e22643" providerId="LiveId" clId="{A3491FC9-73E8-4357-B4F0-C25390566EAB}" dt="2023-11-13T10:29:21.366" v="210" actId="1035"/>
+        <pc:sldMkLst>
+          <pc:docMk/>
+          <pc:sldMk cId="1091364156" sldId="258"/>
+        </pc:sldMkLst>
+        <pc:spChg chg="del">
+          <ac:chgData name="Fatima Pillosu" userId="a6295d4dc9e22643" providerId="LiveId" clId="{A3491FC9-73E8-4357-B4F0-C25390566EAB}" dt="2023-11-13T10:21:30.866" v="10" actId="478"/>
+          <ac:spMkLst>
+            <pc:docMk/>
+            <pc:sldMk cId="1091364156" sldId="258"/>
+            <ac:spMk id="2" creationId="{E75728E2-4B9C-6342-F3BD-10711AFCF54E}"/>
+          </ac:spMkLst>
+        </pc:spChg>
+        <pc:spChg chg="del">
+          <ac:chgData name="Fatima Pillosu" userId="a6295d4dc9e22643" providerId="LiveId" clId="{A3491FC9-73E8-4357-B4F0-C25390566EAB}" dt="2023-11-13T10:21:30.001" v="9" actId="478"/>
+          <ac:spMkLst>
+            <pc:docMk/>
+            <pc:sldMk cId="1091364156" sldId="258"/>
+            <ac:spMk id="3" creationId="{EA4B240C-DC7E-FD9B-1AE3-90D73759C512}"/>
+          </ac:spMkLst>
+        </pc:spChg>
+        <pc:spChg chg="add del mod">
+          <ac:chgData name="Fatima Pillosu" userId="a6295d4dc9e22643" providerId="LiveId" clId="{A3491FC9-73E8-4357-B4F0-C25390566EAB}" dt="2023-11-13T10:28:43.827" v="180" actId="21"/>
+          <ac:spMkLst>
+            <pc:docMk/>
+            <pc:sldMk cId="1091364156" sldId="258"/>
+            <ac:spMk id="5" creationId="{EC0712CD-8AF5-CAC6-FA60-C825E0255935}"/>
+          </ac:spMkLst>
+        </pc:spChg>
+        <pc:spChg chg="add del mod">
+          <ac:chgData name="Fatima Pillosu" userId="a6295d4dc9e22643" providerId="LiveId" clId="{A3491FC9-73E8-4357-B4F0-C25390566EAB}" dt="2023-11-13T10:28:43.827" v="180" actId="21"/>
+          <ac:spMkLst>
+            <pc:docMk/>
+            <pc:sldMk cId="1091364156" sldId="258"/>
+            <ac:spMk id="6" creationId="{CE34505D-1086-2C27-8D3B-B4D6067B9C4D}"/>
+          </ac:spMkLst>
+        </pc:spChg>
+        <pc:spChg chg="add del mod">
+          <ac:chgData name="Fatima Pillosu" userId="a6295d4dc9e22643" providerId="LiveId" clId="{A3491FC9-73E8-4357-B4F0-C25390566EAB}" dt="2023-11-13T10:28:41.230" v="179" actId="478"/>
+          <ac:spMkLst>
+            <pc:docMk/>
+            <pc:sldMk cId="1091364156" sldId="258"/>
+            <ac:spMk id="7" creationId="{B105D454-AAB7-25A9-A311-2854151FBBE9}"/>
+          </ac:spMkLst>
+        </pc:spChg>
+        <pc:spChg chg="add mod">
+          <ac:chgData name="Fatima Pillosu" userId="a6295d4dc9e22643" providerId="LiveId" clId="{A3491FC9-73E8-4357-B4F0-C25390566EAB}" dt="2023-11-13T10:29:21.366" v="210" actId="1035"/>
+          <ac:spMkLst>
+            <pc:docMk/>
+            <pc:sldMk cId="1091364156" sldId="258"/>
+            <ac:spMk id="9" creationId="{E433F94B-C2A7-799F-E84E-6CB403A502DA}"/>
+          </ac:spMkLst>
+        </pc:spChg>
+        <pc:spChg chg="add mod">
+          <ac:chgData name="Fatima Pillosu" userId="a6295d4dc9e22643" providerId="LiveId" clId="{A3491FC9-73E8-4357-B4F0-C25390566EAB}" dt="2023-11-13T10:29:21.366" v="210" actId="1035"/>
+          <ac:spMkLst>
+            <pc:docMk/>
+            <pc:sldMk cId="1091364156" sldId="258"/>
+            <ac:spMk id="10" creationId="{A6A3AB02-C137-1ED7-5AEC-B31CD2C362B5}"/>
+          </ac:spMkLst>
+        </pc:spChg>
+        <pc:picChg chg="add del mod modCrop">
+          <ac:chgData name="Fatima Pillosu" userId="a6295d4dc9e22643" providerId="LiveId" clId="{A3491FC9-73E8-4357-B4F0-C25390566EAB}" dt="2023-11-13T10:28:43.827" v="180" actId="21"/>
+          <ac:picMkLst>
+            <pc:docMk/>
+            <pc:sldMk cId="1091364156" sldId="258"/>
+            <ac:picMk id="4" creationId="{5E306212-ABD1-E074-88A5-C02DE2B98D8E}"/>
+          </ac:picMkLst>
+        </pc:picChg>
+        <pc:picChg chg="add mod">
+          <ac:chgData name="Fatima Pillosu" userId="a6295d4dc9e22643" providerId="LiveId" clId="{A3491FC9-73E8-4357-B4F0-C25390566EAB}" dt="2023-11-13T10:29:21.366" v="210" actId="1035"/>
+          <ac:picMkLst>
+            <pc:docMk/>
+            <pc:sldMk cId="1091364156" sldId="258"/>
+            <ac:picMk id="8" creationId="{DEC98534-0DEE-C7ED-9CA2-B971541A6904}"/>
+          </ac:picMkLst>
+        </pc:picChg>
+      </pc:sldChg>
+    </pc:docChg>
+  </pc:docChgLst>
+  <pc:docChgLst>
     <pc:chgData name="Fatima Pillosu" userId="a6295d4dc9e22643" providerId="LiveId" clId="{512E5D2B-0A58-4C7F-AA30-734068E2AFA4}"/>
     <pc:docChg chg="modSld">
       <pc:chgData name="Fatima Pillosu" userId="a6295d4dc9e22643" providerId="LiveId" clId="{512E5D2B-0A58-4C7F-AA30-734068E2AFA4}" dt="2022-04-02T15:22:45.620" v="18" actId="20577"/>
@@ -1093,7 +1204,7 @@
 
 <file path=ppt/slideLayouts/slideLayout1.xml><?xml version="1.0" encoding="utf-8"?>
 <p:sldLayout xmlns:a="http://schemas.openxmlformats.org/drawingml/2006/main" xmlns:r="http://schemas.openxmlformats.org/officeDocument/2006/relationships" xmlns:p="http://schemas.openxmlformats.org/presentationml/2006/main" type="title" preserve="1">
-  <p:cSld name="Title Slide">
+  <p:cSld name="Diapositiva titolo">
     <p:spTree>
       <p:nvGrpSpPr>
         <p:cNvPr id="1" name=""/>
@@ -1120,21 +1231,21 @@
         </p:nvSpPr>
         <p:spPr>
           <a:xfrm>
-            <a:off x="288846" y="506622"/>
-            <a:ext cx="3273584" cy="1077736"/>
+            <a:off x="215980" y="483240"/>
+            <a:ext cx="2447766" cy="1027994"/>
           </a:xfrm>
         </p:spPr>
         <p:txBody>
           <a:bodyPr anchor="b"/>
           <a:lstStyle>
             <a:lvl1pPr algn="ctr">
-              <a:defRPr sz="2527"/>
+              <a:defRPr sz="1889"/>
             </a:lvl1pPr>
           </a:lstStyle>
           <a:p>
             <a:r>
-              <a:rPr lang="en-US"/>
-              <a:t>Click to edit Master title style</a:t>
+              <a:rPr lang="it-IT"/>
+              <a:t>Fare clic per modificare lo stile del titolo dello schema</a:t>
             </a:r>
             <a:endParaRPr lang="en-US" dirty="0"/>
           </a:p>
@@ -1152,8 +1263,8 @@
         </p:nvSpPr>
         <p:spPr>
           <a:xfrm>
-            <a:off x="481410" y="1625920"/>
-            <a:ext cx="2888456" cy="747393"/>
+            <a:off x="359966" y="1550877"/>
+            <a:ext cx="2159794" cy="712898"/>
           </a:xfrm>
         </p:spPr>
         <p:txBody>
@@ -1161,45 +1272,45 @@
           <a:lstStyle>
             <a:lvl1pPr marL="0" indent="0" algn="ctr">
               <a:buNone/>
-              <a:defRPr sz="1011"/>
+              <a:defRPr sz="756"/>
             </a:lvl1pPr>
-            <a:lvl2pPr marL="192573" indent="0" algn="ctr">
-              <a:buNone/>
-              <a:defRPr sz="842"/>
+            <a:lvl2pPr marL="143972" indent="0" algn="ctr">
+              <a:buNone/>
+              <a:defRPr sz="630"/>
             </a:lvl2pPr>
-            <a:lvl3pPr marL="385145" indent="0" algn="ctr">
-              <a:buNone/>
-              <a:defRPr sz="758"/>
+            <a:lvl3pPr marL="287945" indent="0" algn="ctr">
+              <a:buNone/>
+              <a:defRPr sz="567"/>
             </a:lvl3pPr>
-            <a:lvl4pPr marL="577718" indent="0" algn="ctr">
-              <a:buNone/>
-              <a:defRPr sz="674"/>
+            <a:lvl4pPr marL="431917" indent="0" algn="ctr">
+              <a:buNone/>
+              <a:defRPr sz="504"/>
             </a:lvl4pPr>
-            <a:lvl5pPr marL="770291" indent="0" algn="ctr">
-              <a:buNone/>
-              <a:defRPr sz="674"/>
+            <a:lvl5pPr marL="575889" indent="0" algn="ctr">
+              <a:buNone/>
+              <a:defRPr sz="504"/>
             </a:lvl5pPr>
-            <a:lvl6pPr marL="962863" indent="0" algn="ctr">
-              <a:buNone/>
-              <a:defRPr sz="674"/>
+            <a:lvl6pPr marL="719861" indent="0" algn="ctr">
+              <a:buNone/>
+              <a:defRPr sz="504"/>
             </a:lvl6pPr>
-            <a:lvl7pPr marL="1155436" indent="0" algn="ctr">
-              <a:buNone/>
-              <a:defRPr sz="674"/>
+            <a:lvl7pPr marL="863834" indent="0" algn="ctr">
+              <a:buNone/>
+              <a:defRPr sz="504"/>
             </a:lvl7pPr>
-            <a:lvl8pPr marL="1348008" indent="0" algn="ctr">
-              <a:buNone/>
-              <a:defRPr sz="674"/>
+            <a:lvl8pPr marL="1007806" indent="0" algn="ctr">
+              <a:buNone/>
+              <a:defRPr sz="504"/>
             </a:lvl8pPr>
-            <a:lvl9pPr marL="1540581" indent="0" algn="ctr">
-              <a:buNone/>
-              <a:defRPr sz="674"/>
+            <a:lvl9pPr marL="1151778" indent="0" algn="ctr">
+              <a:buNone/>
+              <a:defRPr sz="504"/>
             </a:lvl9pPr>
           </a:lstStyle>
           <a:p>
             <a:r>
-              <a:rPr lang="en-US"/>
-              <a:t>Click to edit Master subtitle style</a:t>
+              <a:rPr lang="it-IT"/>
+              <a:t>Fare clic per modificare lo stile del sottotitolo dello schema</a:t>
             </a:r>
             <a:endParaRPr lang="en-US" dirty="0"/>
           </a:p>
@@ -1222,7 +1333,7 @@
           <a:p>
             <a:fld id="{BA76CA6D-6DB0-447E-9194-F897F334EFD2}" type="datetimeFigureOut">
               <a:rPr lang="en-GB" smtClean="0"/>
-              <a:t>21/09/2022</a:t>
+              <a:t>13/11/2023</a:t>
             </a:fld>
             <a:endParaRPr lang="en-GB"/>
           </a:p>
@@ -1264,7 +1375,7 @@
           <a:p>
             <a:fld id="{4C499C68-685A-4823-8F7B-3D3C0B999323}" type="slidenum">
               <a:rPr lang="en-GB" smtClean="0"/>
-              <a:t>‹#›</a:t>
+              <a:t>‹N›</a:t>
             </a:fld>
             <a:endParaRPr lang="en-GB"/>
           </a:p>
@@ -1273,7 +1384,7 @@
     </p:spTree>
     <p:extLst>
       <p:ext uri="{BB962C8B-B14F-4D97-AF65-F5344CB8AC3E}">
-        <p14:creationId xmlns:p14="http://schemas.microsoft.com/office/powerpoint/2010/main" val="2563598823"/>
+        <p14:creationId xmlns:p14="http://schemas.microsoft.com/office/powerpoint/2010/main" val="1315780129"/>
       </p:ext>
     </p:extLst>
   </p:cSld>
@@ -1285,7 +1396,7 @@
 
 <file path=ppt/slideLayouts/slideLayout10.xml><?xml version="1.0" encoding="utf-8"?>
 <p:sldLayout xmlns:a="http://schemas.openxmlformats.org/drawingml/2006/main" xmlns:r="http://schemas.openxmlformats.org/officeDocument/2006/relationships" xmlns:p="http://schemas.openxmlformats.org/presentationml/2006/main" type="vertTx" preserve="1">
-  <p:cSld name="Title and Vertical Text">
+  <p:cSld name="Titolo e testo verticale">
     <p:spTree>
       <p:nvGrpSpPr>
         <p:cNvPr id="1" name=""/>
@@ -1316,8 +1427,8 @@
           <a:lstStyle/>
           <a:p>
             <a:r>
-              <a:rPr lang="en-US"/>
-              <a:t>Click to edit Master title style</a:t>
+              <a:rPr lang="it-IT"/>
+              <a:t>Fare clic per modificare lo stile del titolo dello schema</a:t>
             </a:r>
             <a:endParaRPr lang="en-US" dirty="0"/>
           </a:p>
@@ -1340,36 +1451,36 @@
           <a:p>
             <a:pPr lvl="0"/>
             <a:r>
-              <a:rPr lang="en-US"/>
-              <a:t>Click to edit Master text styles</a:t>
+              <a:rPr lang="it-IT"/>
+              <a:t>Fare clic per modificare gli stili del testo dello schema</a:t>
             </a:r>
           </a:p>
           <a:p>
             <a:pPr lvl="1"/>
             <a:r>
-              <a:rPr lang="en-US"/>
-              <a:t>Second level</a:t>
+              <a:rPr lang="it-IT"/>
+              <a:t>Secondo livello</a:t>
             </a:r>
           </a:p>
           <a:p>
             <a:pPr lvl="2"/>
             <a:r>
-              <a:rPr lang="en-US"/>
-              <a:t>Third level</a:t>
+              <a:rPr lang="it-IT"/>
+              <a:t>Terzo livello</a:t>
             </a:r>
           </a:p>
           <a:p>
             <a:pPr lvl="3"/>
             <a:r>
-              <a:rPr lang="en-US"/>
-              <a:t>Fourth level</a:t>
+              <a:rPr lang="it-IT"/>
+              <a:t>Quarto livello</a:t>
             </a:r>
           </a:p>
           <a:p>
             <a:pPr lvl="4"/>
             <a:r>
-              <a:rPr lang="en-US"/>
-              <a:t>Fifth level</a:t>
+              <a:rPr lang="it-IT"/>
+              <a:t>Quinto livello</a:t>
             </a:r>
             <a:endParaRPr lang="en-US" dirty="0"/>
           </a:p>
@@ -1392,7 +1503,7 @@
           <a:p>
             <a:fld id="{BA76CA6D-6DB0-447E-9194-F897F334EFD2}" type="datetimeFigureOut">
               <a:rPr lang="en-GB" smtClean="0"/>
-              <a:t>21/09/2022</a:t>
+              <a:t>13/11/2023</a:t>
             </a:fld>
             <a:endParaRPr lang="en-GB"/>
           </a:p>
@@ -1434,7 +1545,7 @@
           <a:p>
             <a:fld id="{4C499C68-685A-4823-8F7B-3D3C0B999323}" type="slidenum">
               <a:rPr lang="en-GB" smtClean="0"/>
-              <a:t>‹#›</a:t>
+              <a:t>‹N›</a:t>
             </a:fld>
             <a:endParaRPr lang="en-GB"/>
           </a:p>
@@ -1443,7 +1554,7 @@
     </p:spTree>
     <p:extLst>
       <p:ext uri="{BB962C8B-B14F-4D97-AF65-F5344CB8AC3E}">
-        <p14:creationId xmlns:p14="http://schemas.microsoft.com/office/powerpoint/2010/main" val="3627849157"/>
+        <p14:creationId xmlns:p14="http://schemas.microsoft.com/office/powerpoint/2010/main" val="248508277"/>
       </p:ext>
     </p:extLst>
   </p:cSld>
@@ -1455,7 +1566,7 @@
 
 <file path=ppt/slideLayouts/slideLayout11.xml><?xml version="1.0" encoding="utf-8"?>
 <p:sldLayout xmlns:a="http://schemas.openxmlformats.org/drawingml/2006/main" xmlns:r="http://schemas.openxmlformats.org/officeDocument/2006/relationships" xmlns:p="http://schemas.openxmlformats.org/presentationml/2006/main" type="vertTitleAndTx" preserve="1">
-  <p:cSld name="Vertical Title and Text">
+  <p:cSld name="1_Titolo e testo verticale">
     <p:spTree>
       <p:nvGrpSpPr>
         <p:cNvPr id="1" name=""/>
@@ -1482,8 +1593,8 @@
         </p:nvSpPr>
         <p:spPr>
           <a:xfrm>
-            <a:off x="2756069" y="164813"/>
-            <a:ext cx="830431" cy="2623399"/>
+            <a:off x="2060803" y="157207"/>
+            <a:ext cx="620941" cy="2502319"/>
           </a:xfrm>
         </p:spPr>
         <p:txBody>
@@ -1491,8 +1602,8 @@
           <a:lstStyle/>
           <a:p>
             <a:r>
-              <a:rPr lang="en-US"/>
-              <a:t>Click to edit Master title style</a:t>
+              <a:rPr lang="it-IT"/>
+              <a:t>Fare clic per modificare lo stile del titolo dello schema</a:t>
             </a:r>
             <a:endParaRPr lang="en-US" dirty="0"/>
           </a:p>
@@ -1510,8 +1621,8 @@
         </p:nvSpPr>
         <p:spPr>
           <a:xfrm>
-            <a:off x="264775" y="164813"/>
-            <a:ext cx="2443153" cy="2623399"/>
+            <a:off x="197981" y="157207"/>
+            <a:ext cx="1826826" cy="2502319"/>
           </a:xfrm>
         </p:spPr>
         <p:txBody>
@@ -1520,36 +1631,36 @@
           <a:p>
             <a:pPr lvl="0"/>
             <a:r>
-              <a:rPr lang="en-US"/>
-              <a:t>Click to edit Master text styles</a:t>
+              <a:rPr lang="it-IT"/>
+              <a:t>Fare clic per modificare gli stili del testo dello schema</a:t>
             </a:r>
           </a:p>
           <a:p>
             <a:pPr lvl="1"/>
             <a:r>
-              <a:rPr lang="en-US"/>
-              <a:t>Second level</a:t>
+              <a:rPr lang="it-IT"/>
+              <a:t>Secondo livello</a:t>
             </a:r>
           </a:p>
           <a:p>
             <a:pPr lvl="2"/>
             <a:r>
-              <a:rPr lang="en-US"/>
-              <a:t>Third level</a:t>
+              <a:rPr lang="it-IT"/>
+              <a:t>Terzo livello</a:t>
             </a:r>
           </a:p>
           <a:p>
             <a:pPr lvl="3"/>
             <a:r>
-              <a:rPr lang="en-US"/>
-              <a:t>Fourth level</a:t>
+              <a:rPr lang="it-IT"/>
+              <a:t>Quarto livello</a:t>
             </a:r>
           </a:p>
           <a:p>
             <a:pPr lvl="4"/>
             <a:r>
-              <a:rPr lang="en-US"/>
-              <a:t>Fifth level</a:t>
+              <a:rPr lang="it-IT"/>
+              <a:t>Quinto livello</a:t>
             </a:r>
             <a:endParaRPr lang="en-US" dirty="0"/>
           </a:p>
@@ -1572,7 +1683,7 @@
           <a:p>
             <a:fld id="{BA76CA6D-6DB0-447E-9194-F897F334EFD2}" type="datetimeFigureOut">
               <a:rPr lang="en-GB" smtClean="0"/>
-              <a:t>21/09/2022</a:t>
+              <a:t>13/11/2023</a:t>
             </a:fld>
             <a:endParaRPr lang="en-GB"/>
           </a:p>
@@ -1614,7 +1725,7 @@
           <a:p>
             <a:fld id="{4C499C68-685A-4823-8F7B-3D3C0B999323}" type="slidenum">
               <a:rPr lang="en-GB" smtClean="0"/>
-              <a:t>‹#›</a:t>
+              <a:t>‹N›</a:t>
             </a:fld>
             <a:endParaRPr lang="en-GB"/>
           </a:p>
@@ -1623,7 +1734,7 @@
     </p:spTree>
     <p:extLst>
       <p:ext uri="{BB962C8B-B14F-4D97-AF65-F5344CB8AC3E}">
-        <p14:creationId xmlns:p14="http://schemas.microsoft.com/office/powerpoint/2010/main" val="431678453"/>
+        <p14:creationId xmlns:p14="http://schemas.microsoft.com/office/powerpoint/2010/main" val="2471337062"/>
       </p:ext>
     </p:extLst>
   </p:cSld>
@@ -1635,7 +1746,7 @@
 
 <file path=ppt/slideLayouts/slideLayout2.xml><?xml version="1.0" encoding="utf-8"?>
 <p:sldLayout xmlns:a="http://schemas.openxmlformats.org/drawingml/2006/main" xmlns:r="http://schemas.openxmlformats.org/officeDocument/2006/relationships" xmlns:p="http://schemas.openxmlformats.org/presentationml/2006/main" type="obj" preserve="1">
-  <p:cSld name="Title and Content">
+  <p:cSld name="Titolo e contenuto">
     <p:spTree>
       <p:nvGrpSpPr>
         <p:cNvPr id="1" name=""/>
@@ -1666,8 +1777,8 @@
           <a:lstStyle/>
           <a:p>
             <a:r>
-              <a:rPr lang="en-US"/>
-              <a:t>Click to edit Master title style</a:t>
+              <a:rPr lang="it-IT"/>
+              <a:t>Fare clic per modificare lo stile del titolo dello schema</a:t>
             </a:r>
             <a:endParaRPr lang="en-US" dirty="0"/>
           </a:p>
@@ -1690,36 +1801,36 @@
           <a:p>
             <a:pPr lvl="0"/>
             <a:r>
-              <a:rPr lang="en-US"/>
-              <a:t>Click to edit Master text styles</a:t>
+              <a:rPr lang="it-IT"/>
+              <a:t>Fare clic per modificare gli stili del testo dello schema</a:t>
             </a:r>
           </a:p>
           <a:p>
             <a:pPr lvl="1"/>
             <a:r>
-              <a:rPr lang="en-US"/>
-              <a:t>Second level</a:t>
+              <a:rPr lang="it-IT"/>
+              <a:t>Secondo livello</a:t>
             </a:r>
           </a:p>
           <a:p>
             <a:pPr lvl="2"/>
             <a:r>
-              <a:rPr lang="en-US"/>
-              <a:t>Third level</a:t>
+              <a:rPr lang="it-IT"/>
+              <a:t>Terzo livello</a:t>
             </a:r>
           </a:p>
           <a:p>
             <a:pPr lvl="3"/>
             <a:r>
-              <a:rPr lang="en-US"/>
-              <a:t>Fourth level</a:t>
+              <a:rPr lang="it-IT"/>
+              <a:t>Quarto livello</a:t>
             </a:r>
           </a:p>
           <a:p>
             <a:pPr lvl="4"/>
             <a:r>
-              <a:rPr lang="en-US"/>
-              <a:t>Fifth level</a:t>
+              <a:rPr lang="it-IT"/>
+              <a:t>Quinto livello</a:t>
             </a:r>
             <a:endParaRPr lang="en-US" dirty="0"/>
           </a:p>
@@ -1742,7 +1853,7 @@
           <a:p>
             <a:fld id="{BA76CA6D-6DB0-447E-9194-F897F334EFD2}" type="datetimeFigureOut">
               <a:rPr lang="en-GB" smtClean="0"/>
-              <a:t>21/09/2022</a:t>
+              <a:t>13/11/2023</a:t>
             </a:fld>
             <a:endParaRPr lang="en-GB"/>
           </a:p>
@@ -1784,7 +1895,7 @@
           <a:p>
             <a:fld id="{4C499C68-685A-4823-8F7B-3D3C0B999323}" type="slidenum">
               <a:rPr lang="en-GB" smtClean="0"/>
-              <a:t>‹#›</a:t>
+              <a:t>‹N›</a:t>
             </a:fld>
             <a:endParaRPr lang="en-GB"/>
           </a:p>
@@ -1793,7 +1904,7 @@
     </p:spTree>
     <p:extLst>
       <p:ext uri="{BB962C8B-B14F-4D97-AF65-F5344CB8AC3E}">
-        <p14:creationId xmlns:p14="http://schemas.microsoft.com/office/powerpoint/2010/main" val="4049362926"/>
+        <p14:creationId xmlns:p14="http://schemas.microsoft.com/office/powerpoint/2010/main" val="1063941147"/>
       </p:ext>
     </p:extLst>
   </p:cSld>
@@ -1805,7 +1916,7 @@
 
 <file path=ppt/slideLayouts/slideLayout3.xml><?xml version="1.0" encoding="utf-8"?>
 <p:sldLayout xmlns:a="http://schemas.openxmlformats.org/drawingml/2006/main" xmlns:r="http://schemas.openxmlformats.org/officeDocument/2006/relationships" xmlns:p="http://schemas.openxmlformats.org/presentationml/2006/main" type="secHead" preserve="1">
-  <p:cSld name="Section Header">
+  <p:cSld name="Intestazione sezione">
     <p:spTree>
       <p:nvGrpSpPr>
         <p:cNvPr id="1" name=""/>
@@ -1832,21 +1943,21 @@
         </p:nvSpPr>
         <p:spPr>
           <a:xfrm>
-            <a:off x="262769" y="771757"/>
-            <a:ext cx="3321725" cy="1287694"/>
+            <a:off x="196481" y="736138"/>
+            <a:ext cx="2483763" cy="1228262"/>
           </a:xfrm>
         </p:spPr>
         <p:txBody>
           <a:bodyPr anchor="b"/>
           <a:lstStyle>
             <a:lvl1pPr>
-              <a:defRPr sz="2527"/>
+              <a:defRPr sz="1889"/>
             </a:lvl1pPr>
           </a:lstStyle>
           <a:p>
             <a:r>
-              <a:rPr lang="en-US"/>
-              <a:t>Click to edit Master title style</a:t>
+              <a:rPr lang="it-IT"/>
+              <a:t>Fare clic per modificare lo stile del titolo dello schema</a:t>
             </a:r>
             <a:endParaRPr lang="en-US" dirty="0"/>
           </a:p>
@@ -1864,8 +1975,8 @@
         </p:nvSpPr>
         <p:spPr>
           <a:xfrm>
-            <a:off x="262769" y="2071633"/>
-            <a:ext cx="3321725" cy="677168"/>
+            <a:off x="196481" y="1976019"/>
+            <a:ext cx="2483763" cy="645914"/>
           </a:xfrm>
         </p:spPr>
         <p:txBody>
@@ -1873,15 +1984,15 @@
           <a:lstStyle>
             <a:lvl1pPr marL="0" indent="0">
               <a:buNone/>
-              <a:defRPr sz="1011">
+              <a:defRPr sz="756">
                 <a:solidFill>
                   <a:schemeClr val="tx1"/>
                 </a:solidFill>
               </a:defRPr>
             </a:lvl1pPr>
-            <a:lvl2pPr marL="192573" indent="0">
-              <a:buNone/>
-              <a:defRPr sz="842">
+            <a:lvl2pPr marL="143972" indent="0">
+              <a:buNone/>
+              <a:defRPr sz="630">
                 <a:solidFill>
                   <a:schemeClr val="tx1">
                     <a:tint val="75000"/>
@@ -1889,9 +2000,9 @@
                 </a:solidFill>
               </a:defRPr>
             </a:lvl2pPr>
-            <a:lvl3pPr marL="385145" indent="0">
-              <a:buNone/>
-              <a:defRPr sz="758">
+            <a:lvl3pPr marL="287945" indent="0">
+              <a:buNone/>
+              <a:defRPr sz="567">
                 <a:solidFill>
                   <a:schemeClr val="tx1">
                     <a:tint val="75000"/>
@@ -1899,9 +2010,9 @@
                 </a:solidFill>
               </a:defRPr>
             </a:lvl3pPr>
-            <a:lvl4pPr marL="577718" indent="0">
-              <a:buNone/>
-              <a:defRPr sz="674">
+            <a:lvl4pPr marL="431917" indent="0">
+              <a:buNone/>
+              <a:defRPr sz="504">
                 <a:solidFill>
                   <a:schemeClr val="tx1">
                     <a:tint val="75000"/>
@@ -1909,9 +2020,9 @@
                 </a:solidFill>
               </a:defRPr>
             </a:lvl4pPr>
-            <a:lvl5pPr marL="770291" indent="0">
-              <a:buNone/>
-              <a:defRPr sz="674">
+            <a:lvl5pPr marL="575889" indent="0">
+              <a:buNone/>
+              <a:defRPr sz="504">
                 <a:solidFill>
                   <a:schemeClr val="tx1">
                     <a:tint val="75000"/>
@@ -1919,9 +2030,9 @@
                 </a:solidFill>
               </a:defRPr>
             </a:lvl5pPr>
-            <a:lvl6pPr marL="962863" indent="0">
-              <a:buNone/>
-              <a:defRPr sz="674">
+            <a:lvl6pPr marL="719861" indent="0">
+              <a:buNone/>
+              <a:defRPr sz="504">
                 <a:solidFill>
                   <a:schemeClr val="tx1">
                     <a:tint val="75000"/>
@@ -1929,9 +2040,9 @@
                 </a:solidFill>
               </a:defRPr>
             </a:lvl6pPr>
-            <a:lvl7pPr marL="1155436" indent="0">
-              <a:buNone/>
-              <a:defRPr sz="674">
+            <a:lvl7pPr marL="863834" indent="0">
+              <a:buNone/>
+              <a:defRPr sz="504">
                 <a:solidFill>
                   <a:schemeClr val="tx1">
                     <a:tint val="75000"/>
@@ -1939,9 +2050,9 @@
                 </a:solidFill>
               </a:defRPr>
             </a:lvl7pPr>
-            <a:lvl8pPr marL="1348008" indent="0">
-              <a:buNone/>
-              <a:defRPr sz="674">
+            <a:lvl8pPr marL="1007806" indent="0">
+              <a:buNone/>
+              <a:defRPr sz="504">
                 <a:solidFill>
                   <a:schemeClr val="tx1">
                     <a:tint val="75000"/>
@@ -1949,9 +2060,9 @@
                 </a:solidFill>
               </a:defRPr>
             </a:lvl8pPr>
-            <a:lvl9pPr marL="1540581" indent="0">
-              <a:buNone/>
-              <a:defRPr sz="674">
+            <a:lvl9pPr marL="1151778" indent="0">
+              <a:buNone/>
+              <a:defRPr sz="504">
                 <a:solidFill>
                   <a:schemeClr val="tx1">
                     <a:tint val="75000"/>
@@ -1963,8 +2074,8 @@
           <a:p>
             <a:pPr lvl="0"/>
             <a:r>
-              <a:rPr lang="en-US"/>
-              <a:t>Click to edit Master text styles</a:t>
+              <a:rPr lang="it-IT"/>
+              <a:t>Fare clic per modificare gli stili del testo dello schema</a:t>
             </a:r>
           </a:p>
         </p:txBody>
@@ -1986,7 +2097,7 @@
           <a:p>
             <a:fld id="{BA76CA6D-6DB0-447E-9194-F897F334EFD2}" type="datetimeFigureOut">
               <a:rPr lang="en-GB" smtClean="0"/>
-              <a:t>21/09/2022</a:t>
+              <a:t>13/11/2023</a:t>
             </a:fld>
             <a:endParaRPr lang="en-GB"/>
           </a:p>
@@ -2028,7 +2139,7 @@
           <a:p>
             <a:fld id="{4C499C68-685A-4823-8F7B-3D3C0B999323}" type="slidenum">
               <a:rPr lang="en-GB" smtClean="0"/>
-              <a:t>‹#›</a:t>
+              <a:t>‹N›</a:t>
             </a:fld>
             <a:endParaRPr lang="en-GB"/>
           </a:p>
@@ -2037,7 +2148,7 @@
     </p:spTree>
     <p:extLst>
       <p:ext uri="{BB962C8B-B14F-4D97-AF65-F5344CB8AC3E}">
-        <p14:creationId xmlns:p14="http://schemas.microsoft.com/office/powerpoint/2010/main" val="603046169"/>
+        <p14:creationId xmlns:p14="http://schemas.microsoft.com/office/powerpoint/2010/main" val="3670202646"/>
       </p:ext>
     </p:extLst>
   </p:cSld>
@@ -2049,7 +2160,7 @@
 
 <file path=ppt/slideLayouts/slideLayout4.xml><?xml version="1.0" encoding="utf-8"?>
 <p:sldLayout xmlns:a="http://schemas.openxmlformats.org/drawingml/2006/main" xmlns:r="http://schemas.openxmlformats.org/officeDocument/2006/relationships" xmlns:p="http://schemas.openxmlformats.org/presentationml/2006/main" type="twoObj" preserve="1">
-  <p:cSld name="Two Content">
+  <p:cSld name="Due contenuti">
     <p:spTree>
       <p:nvGrpSpPr>
         <p:cNvPr id="1" name=""/>
@@ -2080,8 +2191,8 @@
           <a:lstStyle/>
           <a:p>
             <a:r>
-              <a:rPr lang="en-US"/>
-              <a:t>Click to edit Master title style</a:t>
+              <a:rPr lang="it-IT"/>
+              <a:t>Fare clic per modificare lo stile del titolo dello schema</a:t>
             </a:r>
             <a:endParaRPr lang="en-US" dirty="0"/>
           </a:p>
@@ -2099,8 +2210,8 @@
         </p:nvSpPr>
         <p:spPr>
           <a:xfrm>
-            <a:off x="264775" y="824067"/>
-            <a:ext cx="1636792" cy="1964146"/>
+            <a:off x="197981" y="786033"/>
+            <a:ext cx="1223883" cy="1873493"/>
           </a:xfrm>
         </p:spPr>
         <p:txBody>
@@ -2109,36 +2220,36 @@
           <a:p>
             <a:pPr lvl="0"/>
             <a:r>
-              <a:rPr lang="en-US"/>
-              <a:t>Click to edit Master text styles</a:t>
+              <a:rPr lang="it-IT"/>
+              <a:t>Fare clic per modificare gli stili del testo dello schema</a:t>
             </a:r>
           </a:p>
           <a:p>
             <a:pPr lvl="1"/>
             <a:r>
-              <a:rPr lang="en-US"/>
-              <a:t>Second level</a:t>
+              <a:rPr lang="it-IT"/>
+              <a:t>Secondo livello</a:t>
             </a:r>
           </a:p>
           <a:p>
             <a:pPr lvl="2"/>
             <a:r>
-              <a:rPr lang="en-US"/>
-              <a:t>Third level</a:t>
+              <a:rPr lang="it-IT"/>
+              <a:t>Terzo livello</a:t>
             </a:r>
           </a:p>
           <a:p>
             <a:pPr lvl="3"/>
             <a:r>
-              <a:rPr lang="en-US"/>
-              <a:t>Fourth level</a:t>
+              <a:rPr lang="it-IT"/>
+              <a:t>Quarto livello</a:t>
             </a:r>
           </a:p>
           <a:p>
             <a:pPr lvl="4"/>
             <a:r>
-              <a:rPr lang="en-US"/>
-              <a:t>Fifth level</a:t>
+              <a:rPr lang="it-IT"/>
+              <a:t>Quinto livello</a:t>
             </a:r>
             <a:endParaRPr lang="en-US" dirty="0"/>
           </a:p>
@@ -2156,8 +2267,8 @@
         </p:nvSpPr>
         <p:spPr>
           <a:xfrm>
-            <a:off x="1949708" y="824067"/>
-            <a:ext cx="1636792" cy="1964146"/>
+            <a:off x="1457861" y="786033"/>
+            <a:ext cx="1223883" cy="1873493"/>
           </a:xfrm>
         </p:spPr>
         <p:txBody>
@@ -2166,36 +2277,36 @@
           <a:p>
             <a:pPr lvl="0"/>
             <a:r>
-              <a:rPr lang="en-US"/>
-              <a:t>Click to edit Master text styles</a:t>
+              <a:rPr lang="it-IT"/>
+              <a:t>Fare clic per modificare gli stili del testo dello schema</a:t>
             </a:r>
           </a:p>
           <a:p>
             <a:pPr lvl="1"/>
             <a:r>
-              <a:rPr lang="en-US"/>
-              <a:t>Second level</a:t>
+              <a:rPr lang="it-IT"/>
+              <a:t>Secondo livello</a:t>
             </a:r>
           </a:p>
           <a:p>
             <a:pPr lvl="2"/>
             <a:r>
-              <a:rPr lang="en-US"/>
-              <a:t>Third level</a:t>
+              <a:rPr lang="it-IT"/>
+              <a:t>Terzo livello</a:t>
             </a:r>
           </a:p>
           <a:p>
             <a:pPr lvl="3"/>
             <a:r>
-              <a:rPr lang="en-US"/>
-              <a:t>Fourth level</a:t>
+              <a:rPr lang="it-IT"/>
+              <a:t>Quarto livello</a:t>
             </a:r>
           </a:p>
           <a:p>
             <a:pPr lvl="4"/>
             <a:r>
-              <a:rPr lang="en-US"/>
-              <a:t>Fifth level</a:t>
+              <a:rPr lang="it-IT"/>
+              <a:t>Quinto livello</a:t>
             </a:r>
             <a:endParaRPr lang="en-US" dirty="0"/>
           </a:p>
@@ -2218,7 +2329,7 @@
           <a:p>
             <a:fld id="{BA76CA6D-6DB0-447E-9194-F897F334EFD2}" type="datetimeFigureOut">
               <a:rPr lang="en-GB" smtClean="0"/>
-              <a:t>21/09/2022</a:t>
+              <a:t>13/11/2023</a:t>
             </a:fld>
             <a:endParaRPr lang="en-GB"/>
           </a:p>
@@ -2260,7 +2371,7 @@
           <a:p>
             <a:fld id="{4C499C68-685A-4823-8F7B-3D3C0B999323}" type="slidenum">
               <a:rPr lang="en-GB" smtClean="0"/>
-              <a:t>‹#›</a:t>
+              <a:t>‹N›</a:t>
             </a:fld>
             <a:endParaRPr lang="en-GB"/>
           </a:p>
@@ -2269,7 +2380,7 @@
     </p:spTree>
     <p:extLst>
       <p:ext uri="{BB962C8B-B14F-4D97-AF65-F5344CB8AC3E}">
-        <p14:creationId xmlns:p14="http://schemas.microsoft.com/office/powerpoint/2010/main" val="3729612293"/>
+        <p14:creationId xmlns:p14="http://schemas.microsoft.com/office/powerpoint/2010/main" val="3954353671"/>
       </p:ext>
     </p:extLst>
   </p:cSld>
@@ -2281,7 +2392,7 @@
 
 <file path=ppt/slideLayouts/slideLayout5.xml><?xml version="1.0" encoding="utf-8"?>
 <p:sldLayout xmlns:a="http://schemas.openxmlformats.org/drawingml/2006/main" xmlns:r="http://schemas.openxmlformats.org/officeDocument/2006/relationships" xmlns:p="http://schemas.openxmlformats.org/presentationml/2006/main" type="twoTxTwoObj" preserve="1">
-  <p:cSld name="Comparison">
+  <p:cSld name="Confronto">
     <p:spTree>
       <p:nvGrpSpPr>
         <p:cNvPr id="1" name=""/>
@@ -2308,8 +2419,8 @@
         </p:nvSpPr>
         <p:spPr>
           <a:xfrm>
-            <a:off x="265277" y="164814"/>
-            <a:ext cx="3321725" cy="598344"/>
+            <a:off x="198356" y="157207"/>
+            <a:ext cx="2483763" cy="570729"/>
           </a:xfrm>
         </p:spPr>
         <p:txBody>
@@ -2317,8 +2428,8 @@
           <a:lstStyle/>
           <a:p>
             <a:r>
-              <a:rPr lang="en-US"/>
-              <a:t>Click to edit Master title style</a:t>
+              <a:rPr lang="it-IT"/>
+              <a:t>Fare clic per modificare lo stile del titolo dello schema</a:t>
             </a:r>
             <a:endParaRPr lang="en-US" dirty="0"/>
           </a:p>
@@ -2336,8 +2447,8 @@
         </p:nvSpPr>
         <p:spPr>
           <a:xfrm>
-            <a:off x="265277" y="758858"/>
-            <a:ext cx="1629270" cy="371905"/>
+            <a:off x="198357" y="723834"/>
+            <a:ext cx="1218258" cy="354740"/>
           </a:xfrm>
         </p:spPr>
         <p:txBody>
@@ -2345,46 +2456,46 @@
           <a:lstStyle>
             <a:lvl1pPr marL="0" indent="0">
               <a:buNone/>
-              <a:defRPr sz="1011" b="1"/>
+              <a:defRPr sz="756" b="1"/>
             </a:lvl1pPr>
-            <a:lvl2pPr marL="192573" indent="0">
-              <a:buNone/>
-              <a:defRPr sz="842" b="1"/>
+            <a:lvl2pPr marL="143972" indent="0">
+              <a:buNone/>
+              <a:defRPr sz="630" b="1"/>
             </a:lvl2pPr>
-            <a:lvl3pPr marL="385145" indent="0">
-              <a:buNone/>
-              <a:defRPr sz="758" b="1"/>
+            <a:lvl3pPr marL="287945" indent="0">
+              <a:buNone/>
+              <a:defRPr sz="567" b="1"/>
             </a:lvl3pPr>
-            <a:lvl4pPr marL="577718" indent="0">
-              <a:buNone/>
-              <a:defRPr sz="674" b="1"/>
+            <a:lvl4pPr marL="431917" indent="0">
+              <a:buNone/>
+              <a:defRPr sz="504" b="1"/>
             </a:lvl4pPr>
-            <a:lvl5pPr marL="770291" indent="0">
-              <a:buNone/>
-              <a:defRPr sz="674" b="1"/>
+            <a:lvl5pPr marL="575889" indent="0">
+              <a:buNone/>
+              <a:defRPr sz="504" b="1"/>
             </a:lvl5pPr>
-            <a:lvl6pPr marL="962863" indent="0">
-              <a:buNone/>
-              <a:defRPr sz="674" b="1"/>
+            <a:lvl6pPr marL="719861" indent="0">
+              <a:buNone/>
+              <a:defRPr sz="504" b="1"/>
             </a:lvl6pPr>
-            <a:lvl7pPr marL="1155436" indent="0">
-              <a:buNone/>
-              <a:defRPr sz="674" b="1"/>
+            <a:lvl7pPr marL="863834" indent="0">
+              <a:buNone/>
+              <a:defRPr sz="504" b="1"/>
             </a:lvl7pPr>
-            <a:lvl8pPr marL="1348008" indent="0">
-              <a:buNone/>
-              <a:defRPr sz="674" b="1"/>
+            <a:lvl8pPr marL="1007806" indent="0">
+              <a:buNone/>
+              <a:defRPr sz="504" b="1"/>
             </a:lvl8pPr>
-            <a:lvl9pPr marL="1540581" indent="0">
-              <a:buNone/>
-              <a:defRPr sz="674" b="1"/>
+            <a:lvl9pPr marL="1151778" indent="0">
+              <a:buNone/>
+              <a:defRPr sz="504" b="1"/>
             </a:lvl9pPr>
           </a:lstStyle>
           <a:p>
             <a:pPr lvl="0"/>
             <a:r>
-              <a:rPr lang="en-US"/>
-              <a:t>Click to edit Master text styles</a:t>
+              <a:rPr lang="it-IT"/>
+              <a:t>Fare clic per modificare gli stili del testo dello schema</a:t>
             </a:r>
           </a:p>
         </p:txBody>
@@ -2401,8 +2512,8 @@
         </p:nvSpPr>
         <p:spPr>
           <a:xfrm>
-            <a:off x="265277" y="1130763"/>
-            <a:ext cx="1629270" cy="1663182"/>
+            <a:off x="198357" y="1078574"/>
+            <a:ext cx="1218258" cy="1586420"/>
           </a:xfrm>
         </p:spPr>
         <p:txBody>
@@ -2411,36 +2522,36 @@
           <a:p>
             <a:pPr lvl="0"/>
             <a:r>
-              <a:rPr lang="en-US"/>
-              <a:t>Click to edit Master text styles</a:t>
+              <a:rPr lang="it-IT"/>
+              <a:t>Fare clic per modificare gli stili del testo dello schema</a:t>
             </a:r>
           </a:p>
           <a:p>
             <a:pPr lvl="1"/>
             <a:r>
-              <a:rPr lang="en-US"/>
-              <a:t>Second level</a:t>
+              <a:rPr lang="it-IT"/>
+              <a:t>Secondo livello</a:t>
             </a:r>
           </a:p>
           <a:p>
             <a:pPr lvl="2"/>
             <a:r>
-              <a:rPr lang="en-US"/>
-              <a:t>Third level</a:t>
+              <a:rPr lang="it-IT"/>
+              <a:t>Terzo livello</a:t>
             </a:r>
           </a:p>
           <a:p>
             <a:pPr lvl="3"/>
             <a:r>
-              <a:rPr lang="en-US"/>
-              <a:t>Fourth level</a:t>
+              <a:rPr lang="it-IT"/>
+              <a:t>Quarto livello</a:t>
             </a:r>
           </a:p>
           <a:p>
             <a:pPr lvl="4"/>
             <a:r>
-              <a:rPr lang="en-US"/>
-              <a:t>Fifth level</a:t>
+              <a:rPr lang="it-IT"/>
+              <a:t>Quinto livello</a:t>
             </a:r>
             <a:endParaRPr lang="en-US" dirty="0"/>
           </a:p>
@@ -2458,8 +2569,8 @@
         </p:nvSpPr>
         <p:spPr>
           <a:xfrm>
-            <a:off x="1949708" y="758858"/>
-            <a:ext cx="1637294" cy="371905"/>
+            <a:off x="1457861" y="723834"/>
+            <a:ext cx="1224258" cy="354740"/>
           </a:xfrm>
         </p:spPr>
         <p:txBody>
@@ -2467,46 +2578,46 @@
           <a:lstStyle>
             <a:lvl1pPr marL="0" indent="0">
               <a:buNone/>
-              <a:defRPr sz="1011" b="1"/>
+              <a:defRPr sz="756" b="1"/>
             </a:lvl1pPr>
-            <a:lvl2pPr marL="192573" indent="0">
-              <a:buNone/>
-              <a:defRPr sz="842" b="1"/>
+            <a:lvl2pPr marL="143972" indent="0">
+              <a:buNone/>
+              <a:defRPr sz="630" b="1"/>
             </a:lvl2pPr>
-            <a:lvl3pPr marL="385145" indent="0">
-              <a:buNone/>
-              <a:defRPr sz="758" b="1"/>
+            <a:lvl3pPr marL="287945" indent="0">
+              <a:buNone/>
+              <a:defRPr sz="567" b="1"/>
             </a:lvl3pPr>
-            <a:lvl4pPr marL="577718" indent="0">
-              <a:buNone/>
-              <a:defRPr sz="674" b="1"/>
+            <a:lvl4pPr marL="431917" indent="0">
+              <a:buNone/>
+              <a:defRPr sz="504" b="1"/>
             </a:lvl4pPr>
-            <a:lvl5pPr marL="770291" indent="0">
-              <a:buNone/>
-              <a:defRPr sz="674" b="1"/>
+            <a:lvl5pPr marL="575889" indent="0">
+              <a:buNone/>
+              <a:defRPr sz="504" b="1"/>
             </a:lvl5pPr>
-            <a:lvl6pPr marL="962863" indent="0">
-              <a:buNone/>
-              <a:defRPr sz="674" b="1"/>
+            <a:lvl6pPr marL="719861" indent="0">
+              <a:buNone/>
+              <a:defRPr sz="504" b="1"/>
             </a:lvl6pPr>
-            <a:lvl7pPr marL="1155436" indent="0">
-              <a:buNone/>
-              <a:defRPr sz="674" b="1"/>
+            <a:lvl7pPr marL="863834" indent="0">
+              <a:buNone/>
+              <a:defRPr sz="504" b="1"/>
             </a:lvl7pPr>
-            <a:lvl8pPr marL="1348008" indent="0">
-              <a:buNone/>
-              <a:defRPr sz="674" b="1"/>
+            <a:lvl8pPr marL="1007806" indent="0">
+              <a:buNone/>
+              <a:defRPr sz="504" b="1"/>
             </a:lvl8pPr>
-            <a:lvl9pPr marL="1540581" indent="0">
-              <a:buNone/>
-              <a:defRPr sz="674" b="1"/>
+            <a:lvl9pPr marL="1151778" indent="0">
+              <a:buNone/>
+              <a:defRPr sz="504" b="1"/>
             </a:lvl9pPr>
           </a:lstStyle>
           <a:p>
             <a:pPr lvl="0"/>
             <a:r>
-              <a:rPr lang="en-US"/>
-              <a:t>Click to edit Master text styles</a:t>
+              <a:rPr lang="it-IT"/>
+              <a:t>Fare clic per modificare gli stili del testo dello schema</a:t>
             </a:r>
           </a:p>
         </p:txBody>
@@ -2523,8 +2634,8 @@
         </p:nvSpPr>
         <p:spPr>
           <a:xfrm>
-            <a:off x="1949708" y="1130763"/>
-            <a:ext cx="1637294" cy="1663182"/>
+            <a:off x="1457861" y="1078574"/>
+            <a:ext cx="1224258" cy="1586420"/>
           </a:xfrm>
         </p:spPr>
         <p:txBody>
@@ -2533,36 +2644,36 @@
           <a:p>
             <a:pPr lvl="0"/>
             <a:r>
-              <a:rPr lang="en-US"/>
-              <a:t>Click to edit Master text styles</a:t>
+              <a:rPr lang="it-IT"/>
+              <a:t>Fare clic per modificare gli stili del testo dello schema</a:t>
             </a:r>
           </a:p>
           <a:p>
             <a:pPr lvl="1"/>
             <a:r>
-              <a:rPr lang="en-US"/>
-              <a:t>Second level</a:t>
+              <a:rPr lang="it-IT"/>
+              <a:t>Secondo livello</a:t>
             </a:r>
           </a:p>
           <a:p>
             <a:pPr lvl="2"/>
             <a:r>
-              <a:rPr lang="en-US"/>
-              <a:t>Third level</a:t>
+              <a:rPr lang="it-IT"/>
+              <a:t>Terzo livello</a:t>
             </a:r>
           </a:p>
           <a:p>
             <a:pPr lvl="3"/>
             <a:r>
-              <a:rPr lang="en-US"/>
-              <a:t>Fourth level</a:t>
+              <a:rPr lang="it-IT"/>
+              <a:t>Quarto livello</a:t>
             </a:r>
           </a:p>
           <a:p>
             <a:pPr lvl="4"/>
             <a:r>
-              <a:rPr lang="en-US"/>
-              <a:t>Fifth level</a:t>
+              <a:rPr lang="it-IT"/>
+              <a:t>Quinto livello</a:t>
             </a:r>
             <a:endParaRPr lang="en-US" dirty="0"/>
           </a:p>
@@ -2585,7 +2696,7 @@
           <a:p>
             <a:fld id="{BA76CA6D-6DB0-447E-9194-F897F334EFD2}" type="datetimeFigureOut">
               <a:rPr lang="en-GB" smtClean="0"/>
-              <a:t>21/09/2022</a:t>
+              <a:t>13/11/2023</a:t>
             </a:fld>
             <a:endParaRPr lang="en-GB"/>
           </a:p>
@@ -2627,7 +2738,7 @@
           <a:p>
             <a:fld id="{4C499C68-685A-4823-8F7B-3D3C0B999323}" type="slidenum">
               <a:rPr lang="en-GB" smtClean="0"/>
-              <a:t>‹#›</a:t>
+              <a:t>‹N›</a:t>
             </a:fld>
             <a:endParaRPr lang="en-GB"/>
           </a:p>
@@ -2636,7 +2747,7 @@
     </p:spTree>
     <p:extLst>
       <p:ext uri="{BB962C8B-B14F-4D97-AF65-F5344CB8AC3E}">
-        <p14:creationId xmlns:p14="http://schemas.microsoft.com/office/powerpoint/2010/main" val="1228024898"/>
+        <p14:creationId xmlns:p14="http://schemas.microsoft.com/office/powerpoint/2010/main" val="2931455401"/>
       </p:ext>
     </p:extLst>
   </p:cSld>
@@ -2648,7 +2759,7 @@
 
 <file path=ppt/slideLayouts/slideLayout6.xml><?xml version="1.0" encoding="utf-8"?>
 <p:sldLayout xmlns:a="http://schemas.openxmlformats.org/drawingml/2006/main" xmlns:r="http://schemas.openxmlformats.org/officeDocument/2006/relationships" xmlns:p="http://schemas.openxmlformats.org/presentationml/2006/main" type="titleOnly" preserve="1">
-  <p:cSld name="Title Only">
+  <p:cSld name="Solo titolo">
     <p:spTree>
       <p:nvGrpSpPr>
         <p:cNvPr id="1" name=""/>
@@ -2679,8 +2790,8 @@
           <a:lstStyle/>
           <a:p>
             <a:r>
-              <a:rPr lang="en-US"/>
-              <a:t>Click to edit Master title style</a:t>
+              <a:rPr lang="it-IT"/>
+              <a:t>Fare clic per modificare lo stile del titolo dello schema</a:t>
             </a:r>
             <a:endParaRPr lang="en-US" dirty="0"/>
           </a:p>
@@ -2703,7 +2814,7 @@
           <a:p>
             <a:fld id="{BA76CA6D-6DB0-447E-9194-F897F334EFD2}" type="datetimeFigureOut">
               <a:rPr lang="en-GB" smtClean="0"/>
-              <a:t>21/09/2022</a:t>
+              <a:t>13/11/2023</a:t>
             </a:fld>
             <a:endParaRPr lang="en-GB"/>
           </a:p>
@@ -2745,7 +2856,7 @@
           <a:p>
             <a:fld id="{4C499C68-685A-4823-8F7B-3D3C0B999323}" type="slidenum">
               <a:rPr lang="en-GB" smtClean="0"/>
-              <a:t>‹#›</a:t>
+              <a:t>‹N›</a:t>
             </a:fld>
             <a:endParaRPr lang="en-GB"/>
           </a:p>
@@ -2754,7 +2865,7 @@
     </p:spTree>
     <p:extLst>
       <p:ext uri="{BB962C8B-B14F-4D97-AF65-F5344CB8AC3E}">
-        <p14:creationId xmlns:p14="http://schemas.microsoft.com/office/powerpoint/2010/main" val="1239171682"/>
+        <p14:creationId xmlns:p14="http://schemas.microsoft.com/office/powerpoint/2010/main" val="929850710"/>
       </p:ext>
     </p:extLst>
   </p:cSld>
@@ -2766,7 +2877,7 @@
 
 <file path=ppt/slideLayouts/slideLayout7.xml><?xml version="1.0" encoding="utf-8"?>
 <p:sldLayout xmlns:a="http://schemas.openxmlformats.org/drawingml/2006/main" xmlns:r="http://schemas.openxmlformats.org/officeDocument/2006/relationships" xmlns:p="http://schemas.openxmlformats.org/presentationml/2006/main" type="blank" preserve="1">
-  <p:cSld name="Blank">
+  <p:cSld name="Vuota">
     <p:spTree>
       <p:nvGrpSpPr>
         <p:cNvPr id="1" name=""/>
@@ -2798,7 +2909,7 @@
           <a:p>
             <a:fld id="{BA76CA6D-6DB0-447E-9194-F897F334EFD2}" type="datetimeFigureOut">
               <a:rPr lang="en-GB" smtClean="0"/>
-              <a:t>21/09/2022</a:t>
+              <a:t>13/11/2023</a:t>
             </a:fld>
             <a:endParaRPr lang="en-GB"/>
           </a:p>
@@ -2840,7 +2951,7 @@
           <a:p>
             <a:fld id="{4C499C68-685A-4823-8F7B-3D3C0B999323}" type="slidenum">
               <a:rPr lang="en-GB" smtClean="0"/>
-              <a:t>‹#›</a:t>
+              <a:t>‹N›</a:t>
             </a:fld>
             <a:endParaRPr lang="en-GB"/>
           </a:p>
@@ -2849,7 +2960,7 @@
     </p:spTree>
     <p:extLst>
       <p:ext uri="{BB962C8B-B14F-4D97-AF65-F5344CB8AC3E}">
-        <p14:creationId xmlns:p14="http://schemas.microsoft.com/office/powerpoint/2010/main" val="239176174"/>
+        <p14:creationId xmlns:p14="http://schemas.microsoft.com/office/powerpoint/2010/main" val="3199640619"/>
       </p:ext>
     </p:extLst>
   </p:cSld>
@@ -2861,7 +2972,7 @@
 
 <file path=ppt/slideLayouts/slideLayout8.xml><?xml version="1.0" encoding="utf-8"?>
 <p:sldLayout xmlns:a="http://schemas.openxmlformats.org/drawingml/2006/main" xmlns:r="http://schemas.openxmlformats.org/officeDocument/2006/relationships" xmlns:p="http://schemas.openxmlformats.org/presentationml/2006/main" type="objTx" preserve="1">
-  <p:cSld name="Content with Caption">
+  <p:cSld name="Contenuto con didascalia">
     <p:spTree>
       <p:nvGrpSpPr>
         <p:cNvPr id="1" name=""/>
@@ -2888,21 +2999,21 @@
         </p:nvSpPr>
         <p:spPr>
           <a:xfrm>
-            <a:off x="265277" y="206375"/>
-            <a:ext cx="1242136" cy="722313"/>
+            <a:off x="198356" y="196850"/>
+            <a:ext cx="928786" cy="688975"/>
           </a:xfrm>
         </p:spPr>
         <p:txBody>
           <a:bodyPr anchor="b"/>
           <a:lstStyle>
             <a:lvl1pPr>
-              <a:defRPr sz="1348"/>
+              <a:defRPr sz="1008"/>
             </a:lvl1pPr>
           </a:lstStyle>
           <a:p>
             <a:r>
-              <a:rPr lang="en-US"/>
-              <a:t>Click to edit Master title style</a:t>
+              <a:rPr lang="it-IT"/>
+              <a:t>Fare clic per modificare lo stile del titolo dello schema</a:t>
             </a:r>
             <a:endParaRPr lang="en-US" dirty="0"/>
           </a:p>
@@ -2920,74 +3031,74 @@
         </p:nvSpPr>
         <p:spPr>
           <a:xfrm>
-            <a:off x="1637293" y="445713"/>
-            <a:ext cx="1949708" cy="2199900"/>
+            <a:off x="1224258" y="425142"/>
+            <a:ext cx="1457861" cy="2098366"/>
           </a:xfrm>
         </p:spPr>
         <p:txBody>
           <a:bodyPr/>
           <a:lstStyle>
             <a:lvl1pPr>
-              <a:defRPr sz="1348"/>
+              <a:defRPr sz="1008"/>
             </a:lvl1pPr>
             <a:lvl2pPr>
-              <a:defRPr sz="1179"/>
+              <a:defRPr sz="882"/>
             </a:lvl2pPr>
             <a:lvl3pPr>
-              <a:defRPr sz="1011"/>
+              <a:defRPr sz="756"/>
             </a:lvl3pPr>
             <a:lvl4pPr>
-              <a:defRPr sz="842"/>
+              <a:defRPr sz="630"/>
             </a:lvl4pPr>
             <a:lvl5pPr>
-              <a:defRPr sz="842"/>
+              <a:defRPr sz="630"/>
             </a:lvl5pPr>
             <a:lvl6pPr>
-              <a:defRPr sz="842"/>
+              <a:defRPr sz="630"/>
             </a:lvl6pPr>
             <a:lvl7pPr>
-              <a:defRPr sz="842"/>
+              <a:defRPr sz="630"/>
             </a:lvl7pPr>
             <a:lvl8pPr>
-              <a:defRPr sz="842"/>
+              <a:defRPr sz="630"/>
             </a:lvl8pPr>
             <a:lvl9pPr>
-              <a:defRPr sz="842"/>
+              <a:defRPr sz="630"/>
             </a:lvl9pPr>
           </a:lstStyle>
           <a:p>
             <a:pPr lvl="0"/>
             <a:r>
-              <a:rPr lang="en-US"/>
-              <a:t>Click to edit Master text styles</a:t>
+              <a:rPr lang="it-IT"/>
+              <a:t>Fare clic per modificare gli stili del testo dello schema</a:t>
             </a:r>
           </a:p>
           <a:p>
             <a:pPr lvl="1"/>
             <a:r>
-              <a:rPr lang="en-US"/>
-              <a:t>Second level</a:t>
+              <a:rPr lang="it-IT"/>
+              <a:t>Secondo livello</a:t>
             </a:r>
           </a:p>
           <a:p>
             <a:pPr lvl="2"/>
             <a:r>
-              <a:rPr lang="en-US"/>
-              <a:t>Third level</a:t>
+              <a:rPr lang="it-IT"/>
+              <a:t>Terzo livello</a:t>
             </a:r>
           </a:p>
           <a:p>
             <a:pPr lvl="3"/>
             <a:r>
-              <a:rPr lang="en-US"/>
-              <a:t>Fourth level</a:t>
+              <a:rPr lang="it-IT"/>
+              <a:t>Quarto livello</a:t>
             </a:r>
           </a:p>
           <a:p>
             <a:pPr lvl="4"/>
             <a:r>
-              <a:rPr lang="en-US"/>
-              <a:t>Fifth level</a:t>
+              <a:rPr lang="it-IT"/>
+              <a:t>Quinto livello</a:t>
             </a:r>
             <a:endParaRPr lang="en-US" dirty="0"/>
           </a:p>
@@ -3005,8 +3116,8 @@
         </p:nvSpPr>
         <p:spPr>
           <a:xfrm>
-            <a:off x="265277" y="928688"/>
-            <a:ext cx="1242136" cy="1720508"/>
+            <a:off x="198356" y="885825"/>
+            <a:ext cx="928786" cy="1641100"/>
           </a:xfrm>
         </p:spPr>
         <p:txBody>
@@ -3014,46 +3125,46 @@
           <a:lstStyle>
             <a:lvl1pPr marL="0" indent="0">
               <a:buNone/>
-              <a:defRPr sz="674"/>
+              <a:defRPr sz="504"/>
             </a:lvl1pPr>
-            <a:lvl2pPr marL="192573" indent="0">
-              <a:buNone/>
-              <a:defRPr sz="590"/>
+            <a:lvl2pPr marL="143972" indent="0">
+              <a:buNone/>
+              <a:defRPr sz="441"/>
             </a:lvl2pPr>
-            <a:lvl3pPr marL="385145" indent="0">
-              <a:buNone/>
-              <a:defRPr sz="505"/>
+            <a:lvl3pPr marL="287945" indent="0">
+              <a:buNone/>
+              <a:defRPr sz="378"/>
             </a:lvl3pPr>
-            <a:lvl4pPr marL="577718" indent="0">
-              <a:buNone/>
-              <a:defRPr sz="421"/>
+            <a:lvl4pPr marL="431917" indent="0">
+              <a:buNone/>
+              <a:defRPr sz="315"/>
             </a:lvl4pPr>
-            <a:lvl5pPr marL="770291" indent="0">
-              <a:buNone/>
-              <a:defRPr sz="421"/>
+            <a:lvl5pPr marL="575889" indent="0">
+              <a:buNone/>
+              <a:defRPr sz="315"/>
             </a:lvl5pPr>
-            <a:lvl6pPr marL="962863" indent="0">
-              <a:buNone/>
-              <a:defRPr sz="421"/>
+            <a:lvl6pPr marL="719861" indent="0">
+              <a:buNone/>
+              <a:defRPr sz="315"/>
             </a:lvl6pPr>
-            <a:lvl7pPr marL="1155436" indent="0">
-              <a:buNone/>
-              <a:defRPr sz="421"/>
+            <a:lvl7pPr marL="863834" indent="0">
+              <a:buNone/>
+              <a:defRPr sz="315"/>
             </a:lvl7pPr>
-            <a:lvl8pPr marL="1348008" indent="0">
-              <a:buNone/>
-              <a:defRPr sz="421"/>
+            <a:lvl8pPr marL="1007806" indent="0">
+              <a:buNone/>
+              <a:defRPr sz="315"/>
             </a:lvl8pPr>
-            <a:lvl9pPr marL="1540581" indent="0">
-              <a:buNone/>
-              <a:defRPr sz="421"/>
+            <a:lvl9pPr marL="1151778" indent="0">
+              <a:buNone/>
+              <a:defRPr sz="315"/>
             </a:lvl9pPr>
           </a:lstStyle>
           <a:p>
             <a:pPr lvl="0"/>
             <a:r>
-              <a:rPr lang="en-US"/>
-              <a:t>Click to edit Master text styles</a:t>
+              <a:rPr lang="it-IT"/>
+              <a:t>Fare clic per modificare gli stili del testo dello schema</a:t>
             </a:r>
           </a:p>
         </p:txBody>
@@ -3075,7 +3186,7 @@
           <a:p>
             <a:fld id="{BA76CA6D-6DB0-447E-9194-F897F334EFD2}" type="datetimeFigureOut">
               <a:rPr lang="en-GB" smtClean="0"/>
-              <a:t>21/09/2022</a:t>
+              <a:t>13/11/2023</a:t>
             </a:fld>
             <a:endParaRPr lang="en-GB"/>
           </a:p>
@@ -3117,7 +3228,7 @@
           <a:p>
             <a:fld id="{4C499C68-685A-4823-8F7B-3D3C0B999323}" type="slidenum">
               <a:rPr lang="en-GB" smtClean="0"/>
-              <a:t>‹#›</a:t>
+              <a:t>‹N›</a:t>
             </a:fld>
             <a:endParaRPr lang="en-GB"/>
           </a:p>
@@ -3126,7 +3237,7 @@
     </p:spTree>
     <p:extLst>
       <p:ext uri="{BB962C8B-B14F-4D97-AF65-F5344CB8AC3E}">
-        <p14:creationId xmlns:p14="http://schemas.microsoft.com/office/powerpoint/2010/main" val="3064107484"/>
+        <p14:creationId xmlns:p14="http://schemas.microsoft.com/office/powerpoint/2010/main" val="1167918583"/>
       </p:ext>
     </p:extLst>
   </p:cSld>
@@ -3138,7 +3249,7 @@
 
 <file path=ppt/slideLayouts/slideLayout9.xml><?xml version="1.0" encoding="utf-8"?>
 <p:sldLayout xmlns:a="http://schemas.openxmlformats.org/drawingml/2006/main" xmlns:r="http://schemas.openxmlformats.org/officeDocument/2006/relationships" xmlns:p="http://schemas.openxmlformats.org/presentationml/2006/main" type="picTx" preserve="1">
-  <p:cSld name="Picture with Caption">
+  <p:cSld name="Immagine con didascalia">
     <p:spTree>
       <p:nvGrpSpPr>
         <p:cNvPr id="1" name=""/>
@@ -3165,21 +3276,21 @@
         </p:nvSpPr>
         <p:spPr>
           <a:xfrm>
-            <a:off x="265277" y="206375"/>
-            <a:ext cx="1242136" cy="722313"/>
+            <a:off x="198356" y="196850"/>
+            <a:ext cx="928786" cy="688975"/>
           </a:xfrm>
         </p:spPr>
         <p:txBody>
           <a:bodyPr anchor="b"/>
           <a:lstStyle>
             <a:lvl1pPr>
-              <a:defRPr sz="1348"/>
+              <a:defRPr sz="1008"/>
             </a:lvl1pPr>
           </a:lstStyle>
           <a:p>
             <a:r>
-              <a:rPr lang="en-US"/>
-              <a:t>Click to edit Master title style</a:t>
+              <a:rPr lang="it-IT"/>
+              <a:t>Fare clic per modificare lo stile del titolo dello schema</a:t>
             </a:r>
             <a:endParaRPr lang="en-US" dirty="0"/>
           </a:p>
@@ -3197,8 +3308,8 @@
         </p:nvSpPr>
         <p:spPr>
           <a:xfrm>
-            <a:off x="1637293" y="445713"/>
-            <a:ext cx="1949708" cy="2199900"/>
+            <a:off x="1224258" y="425142"/>
+            <a:ext cx="1457861" cy="2098366"/>
           </a:xfrm>
         </p:spPr>
         <p:txBody>
@@ -3206,45 +3317,45 @@
           <a:lstStyle>
             <a:lvl1pPr marL="0" indent="0">
               <a:buNone/>
-              <a:defRPr sz="1348"/>
+              <a:defRPr sz="1008"/>
             </a:lvl1pPr>
-            <a:lvl2pPr marL="192573" indent="0">
-              <a:buNone/>
-              <a:defRPr sz="1179"/>
+            <a:lvl2pPr marL="143972" indent="0">
+              <a:buNone/>
+              <a:defRPr sz="882"/>
             </a:lvl2pPr>
-            <a:lvl3pPr marL="385145" indent="0">
-              <a:buNone/>
-              <a:defRPr sz="1011"/>
+            <a:lvl3pPr marL="287945" indent="0">
+              <a:buNone/>
+              <a:defRPr sz="756"/>
             </a:lvl3pPr>
-            <a:lvl4pPr marL="577718" indent="0">
-              <a:buNone/>
-              <a:defRPr sz="842"/>
+            <a:lvl4pPr marL="431917" indent="0">
+              <a:buNone/>
+              <a:defRPr sz="630"/>
             </a:lvl4pPr>
-            <a:lvl5pPr marL="770291" indent="0">
-              <a:buNone/>
-              <a:defRPr sz="842"/>
+            <a:lvl5pPr marL="575889" indent="0">
+              <a:buNone/>
+              <a:defRPr sz="630"/>
             </a:lvl5pPr>
-            <a:lvl6pPr marL="962863" indent="0">
-              <a:buNone/>
-              <a:defRPr sz="842"/>
+            <a:lvl6pPr marL="719861" indent="0">
+              <a:buNone/>
+              <a:defRPr sz="630"/>
             </a:lvl6pPr>
-            <a:lvl7pPr marL="1155436" indent="0">
-              <a:buNone/>
-              <a:defRPr sz="842"/>
+            <a:lvl7pPr marL="863834" indent="0">
+              <a:buNone/>
+              <a:defRPr sz="630"/>
             </a:lvl7pPr>
-            <a:lvl8pPr marL="1348008" indent="0">
-              <a:buNone/>
-              <a:defRPr sz="842"/>
+            <a:lvl8pPr marL="1007806" indent="0">
+              <a:buNone/>
+              <a:defRPr sz="630"/>
             </a:lvl8pPr>
-            <a:lvl9pPr marL="1540581" indent="0">
-              <a:buNone/>
-              <a:defRPr sz="842"/>
+            <a:lvl9pPr marL="1151778" indent="0">
+              <a:buNone/>
+              <a:defRPr sz="630"/>
             </a:lvl9pPr>
           </a:lstStyle>
           <a:p>
             <a:r>
-              <a:rPr lang="en-US"/>
-              <a:t>Click icon to add picture</a:t>
+              <a:rPr lang="it-IT"/>
+              <a:t>Fare clic sull'icona per inserire un'immagine</a:t>
             </a:r>
             <a:endParaRPr lang="en-US" dirty="0"/>
           </a:p>
@@ -3262,8 +3373,8 @@
         </p:nvSpPr>
         <p:spPr>
           <a:xfrm>
-            <a:off x="265277" y="928688"/>
-            <a:ext cx="1242136" cy="1720508"/>
+            <a:off x="198356" y="885825"/>
+            <a:ext cx="928786" cy="1641100"/>
           </a:xfrm>
         </p:spPr>
         <p:txBody>
@@ -3271,46 +3382,46 @@
           <a:lstStyle>
             <a:lvl1pPr marL="0" indent="0">
               <a:buNone/>
-              <a:defRPr sz="674"/>
+              <a:defRPr sz="504"/>
             </a:lvl1pPr>
-            <a:lvl2pPr marL="192573" indent="0">
-              <a:buNone/>
-              <a:defRPr sz="590"/>
+            <a:lvl2pPr marL="143972" indent="0">
+              <a:buNone/>
+              <a:defRPr sz="441"/>
             </a:lvl2pPr>
-            <a:lvl3pPr marL="385145" indent="0">
-              <a:buNone/>
-              <a:defRPr sz="505"/>
+            <a:lvl3pPr marL="287945" indent="0">
+              <a:buNone/>
+              <a:defRPr sz="378"/>
             </a:lvl3pPr>
-            <a:lvl4pPr marL="577718" indent="0">
-              <a:buNone/>
-              <a:defRPr sz="421"/>
+            <a:lvl4pPr marL="431917" indent="0">
+              <a:buNone/>
+              <a:defRPr sz="315"/>
             </a:lvl4pPr>
-            <a:lvl5pPr marL="770291" indent="0">
-              <a:buNone/>
-              <a:defRPr sz="421"/>
+            <a:lvl5pPr marL="575889" indent="0">
+              <a:buNone/>
+              <a:defRPr sz="315"/>
             </a:lvl5pPr>
-            <a:lvl6pPr marL="962863" indent="0">
-              <a:buNone/>
-              <a:defRPr sz="421"/>
+            <a:lvl6pPr marL="719861" indent="0">
+              <a:buNone/>
+              <a:defRPr sz="315"/>
             </a:lvl6pPr>
-            <a:lvl7pPr marL="1155436" indent="0">
-              <a:buNone/>
-              <a:defRPr sz="421"/>
+            <a:lvl7pPr marL="863834" indent="0">
+              <a:buNone/>
+              <a:defRPr sz="315"/>
             </a:lvl7pPr>
-            <a:lvl8pPr marL="1348008" indent="0">
-              <a:buNone/>
-              <a:defRPr sz="421"/>
+            <a:lvl8pPr marL="1007806" indent="0">
+              <a:buNone/>
+              <a:defRPr sz="315"/>
             </a:lvl8pPr>
-            <a:lvl9pPr marL="1540581" indent="0">
-              <a:buNone/>
-              <a:defRPr sz="421"/>
+            <a:lvl9pPr marL="1151778" indent="0">
+              <a:buNone/>
+              <a:defRPr sz="315"/>
             </a:lvl9pPr>
           </a:lstStyle>
           <a:p>
             <a:pPr lvl="0"/>
             <a:r>
-              <a:rPr lang="en-US"/>
-              <a:t>Click to edit Master text styles</a:t>
+              <a:rPr lang="it-IT"/>
+              <a:t>Fare clic per modificare gli stili del testo dello schema</a:t>
             </a:r>
           </a:p>
         </p:txBody>
@@ -3332,7 +3443,7 @@
           <a:p>
             <a:fld id="{BA76CA6D-6DB0-447E-9194-F897F334EFD2}" type="datetimeFigureOut">
               <a:rPr lang="en-GB" smtClean="0"/>
-              <a:t>21/09/2022</a:t>
+              <a:t>13/11/2023</a:t>
             </a:fld>
             <a:endParaRPr lang="en-GB"/>
           </a:p>
@@ -3374,7 +3485,7 @@
           <a:p>
             <a:fld id="{4C499C68-685A-4823-8F7B-3D3C0B999323}" type="slidenum">
               <a:rPr lang="en-GB" smtClean="0"/>
-              <a:t>‹#›</a:t>
+              <a:t>‹N›</a:t>
             </a:fld>
             <a:endParaRPr lang="en-GB"/>
           </a:p>
@@ -3383,7 +3494,7 @@
     </p:spTree>
     <p:extLst>
       <p:ext uri="{BB962C8B-B14F-4D97-AF65-F5344CB8AC3E}">
-        <p14:creationId xmlns:p14="http://schemas.microsoft.com/office/powerpoint/2010/main" val="1467132369"/>
+        <p14:creationId xmlns:p14="http://schemas.microsoft.com/office/powerpoint/2010/main" val="3125769433"/>
       </p:ext>
     </p:extLst>
   </p:cSld>
@@ -3427,8 +3538,8 @@
         </p:nvSpPr>
         <p:spPr>
           <a:xfrm>
-            <a:off x="264775" y="164814"/>
-            <a:ext cx="3321725" cy="598344"/>
+            <a:off x="197981" y="157207"/>
+            <a:ext cx="2483763" cy="570729"/>
           </a:xfrm>
           <a:prstGeom prst="rect">
             <a:avLst/>
@@ -3441,8 +3552,8 @@
           <a:lstStyle/>
           <a:p>
             <a:r>
-              <a:rPr lang="en-US"/>
-              <a:t>Click to edit Master title style</a:t>
+              <a:rPr lang="it-IT"/>
+              <a:t>Fare clic per modificare lo stile del titolo dello schema</a:t>
             </a:r>
             <a:endParaRPr lang="en-US" dirty="0"/>
           </a:p>
@@ -3460,8 +3571,8 @@
         </p:nvSpPr>
         <p:spPr>
           <a:xfrm>
-            <a:off x="264775" y="824067"/>
-            <a:ext cx="3321725" cy="1964146"/>
+            <a:off x="197981" y="786033"/>
+            <a:ext cx="2483763" cy="1873493"/>
           </a:xfrm>
           <a:prstGeom prst="rect">
             <a:avLst/>
@@ -3475,36 +3586,36 @@
           <a:p>
             <a:pPr lvl="0"/>
             <a:r>
-              <a:rPr lang="en-US"/>
-              <a:t>Click to edit Master text styles</a:t>
+              <a:rPr lang="it-IT"/>
+              <a:t>Fare clic per modificare gli stili del testo dello schema</a:t>
             </a:r>
           </a:p>
           <a:p>
             <a:pPr lvl="1"/>
             <a:r>
-              <a:rPr lang="en-US"/>
-              <a:t>Second level</a:t>
+              <a:rPr lang="it-IT"/>
+              <a:t>Secondo livello</a:t>
             </a:r>
           </a:p>
           <a:p>
             <a:pPr lvl="2"/>
             <a:r>
-              <a:rPr lang="en-US"/>
-              <a:t>Third level</a:t>
+              <a:rPr lang="it-IT"/>
+              <a:t>Terzo livello</a:t>
             </a:r>
           </a:p>
           <a:p>
             <a:pPr lvl="3"/>
             <a:r>
-              <a:rPr lang="en-US"/>
-              <a:t>Fourth level</a:t>
+              <a:rPr lang="it-IT"/>
+              <a:t>Quarto livello</a:t>
             </a:r>
           </a:p>
           <a:p>
             <a:pPr lvl="4"/>
             <a:r>
-              <a:rPr lang="en-US"/>
-              <a:t>Fifth level</a:t>
+              <a:rPr lang="it-IT"/>
+              <a:t>Quinto livello</a:t>
             </a:r>
             <a:endParaRPr lang="en-US" dirty="0"/>
           </a:p>
@@ -3522,8 +3633,8 @@
         </p:nvSpPr>
         <p:spPr>
           <a:xfrm>
-            <a:off x="264775" y="2869187"/>
-            <a:ext cx="866537" cy="164813"/>
+            <a:off x="197981" y="2736762"/>
+            <a:ext cx="647938" cy="157207"/>
           </a:xfrm>
           <a:prstGeom prst="rect">
             <a:avLst/>
@@ -3533,7 +3644,7 @@
           <a:bodyPr vert="horz" lIns="91440" tIns="45720" rIns="91440" bIns="45720" rtlCol="0" anchor="ctr"/>
           <a:lstStyle>
             <a:lvl1pPr algn="l">
-              <a:defRPr sz="505">
+              <a:defRPr sz="378">
                 <a:solidFill>
                   <a:schemeClr val="tx1">
                     <a:tint val="75000"/>
@@ -3545,7 +3656,7 @@
           <a:p>
             <a:fld id="{BA76CA6D-6DB0-447E-9194-F897F334EFD2}" type="datetimeFigureOut">
               <a:rPr lang="en-GB" smtClean="0"/>
-              <a:t>21/09/2022</a:t>
+              <a:t>13/11/2023</a:t>
             </a:fld>
             <a:endParaRPr lang="en-GB"/>
           </a:p>
@@ -3563,8 +3674,8 @@
         </p:nvSpPr>
         <p:spPr>
           <a:xfrm>
-            <a:off x="1275735" y="2869187"/>
-            <a:ext cx="1299805" cy="164813"/>
+            <a:off x="953909" y="2736762"/>
+            <a:ext cx="971907" cy="157207"/>
           </a:xfrm>
           <a:prstGeom prst="rect">
             <a:avLst/>
@@ -3574,7 +3685,7 @@
           <a:bodyPr vert="horz" lIns="91440" tIns="45720" rIns="91440" bIns="45720" rtlCol="0" anchor="ctr"/>
           <a:lstStyle>
             <a:lvl1pPr algn="ctr">
-              <a:defRPr sz="505">
+              <a:defRPr sz="378">
                 <a:solidFill>
                   <a:schemeClr val="tx1">
                     <a:tint val="75000"/>
@@ -3600,8 +3711,8 @@
         </p:nvSpPr>
         <p:spPr>
           <a:xfrm>
-            <a:off x="2719963" y="2869187"/>
-            <a:ext cx="866537" cy="164813"/>
+            <a:off x="2033806" y="2736762"/>
+            <a:ext cx="647938" cy="157207"/>
           </a:xfrm>
           <a:prstGeom prst="rect">
             <a:avLst/>
@@ -3611,7 +3722,7 @@
           <a:bodyPr vert="horz" lIns="91440" tIns="45720" rIns="91440" bIns="45720" rtlCol="0" anchor="ctr"/>
           <a:lstStyle>
             <a:lvl1pPr algn="r">
-              <a:defRPr sz="505">
+              <a:defRPr sz="378">
                 <a:solidFill>
                   <a:schemeClr val="tx1">
                     <a:tint val="75000"/>
@@ -3623,7 +3734,7 @@
           <a:p>
             <a:fld id="{4C499C68-685A-4823-8F7B-3D3C0B999323}" type="slidenum">
               <a:rPr lang="en-GB" smtClean="0"/>
-              <a:t>‹#›</a:t>
+              <a:t>‹N›</a:t>
             </a:fld>
             <a:endParaRPr lang="en-GB"/>
           </a:p>
@@ -3632,27 +3743,27 @@
     </p:spTree>
     <p:extLst>
       <p:ext uri="{BB962C8B-B14F-4D97-AF65-F5344CB8AC3E}">
-        <p14:creationId xmlns:p14="http://schemas.microsoft.com/office/powerpoint/2010/main" val="2985001960"/>
+        <p14:creationId xmlns:p14="http://schemas.microsoft.com/office/powerpoint/2010/main" val="1590584360"/>
       </p:ext>
     </p:extLst>
   </p:cSld>
   <p:clrMap bg1="lt1" tx1="dk1" bg2="lt2" tx2="dk2" accent1="accent1" accent2="accent2" accent3="accent3" accent4="accent4" accent5="accent5" accent6="accent6" hlink="hlink" folHlink="folHlink"/>
   <p:sldLayoutIdLst>
-    <p:sldLayoutId id="2147483757" r:id="rId1"/>
-    <p:sldLayoutId id="2147483758" r:id="rId2"/>
-    <p:sldLayoutId id="2147483759" r:id="rId3"/>
-    <p:sldLayoutId id="2147483760" r:id="rId4"/>
-    <p:sldLayoutId id="2147483761" r:id="rId5"/>
-    <p:sldLayoutId id="2147483762" r:id="rId6"/>
-    <p:sldLayoutId id="2147483763" r:id="rId7"/>
-    <p:sldLayoutId id="2147483764" r:id="rId8"/>
-    <p:sldLayoutId id="2147483765" r:id="rId9"/>
-    <p:sldLayoutId id="2147483766" r:id="rId10"/>
-    <p:sldLayoutId id="2147483767" r:id="rId11"/>
+    <p:sldLayoutId id="2147483769" r:id="rId1"/>
+    <p:sldLayoutId id="2147483770" r:id="rId2"/>
+    <p:sldLayoutId id="2147483771" r:id="rId3"/>
+    <p:sldLayoutId id="2147483772" r:id="rId4"/>
+    <p:sldLayoutId id="2147483773" r:id="rId5"/>
+    <p:sldLayoutId id="2147483774" r:id="rId6"/>
+    <p:sldLayoutId id="2147483775" r:id="rId7"/>
+    <p:sldLayoutId id="2147483776" r:id="rId8"/>
+    <p:sldLayoutId id="2147483777" r:id="rId9"/>
+    <p:sldLayoutId id="2147483778" r:id="rId10"/>
+    <p:sldLayoutId id="2147483779" r:id="rId11"/>
   </p:sldLayoutIdLst>
   <p:txStyles>
     <p:titleStyle>
-      <a:lvl1pPr algn="l" defTabSz="385145" rtl="0" eaLnBrk="1" latinLnBrk="0" hangingPunct="1">
+      <a:lvl1pPr algn="l" defTabSz="287945" rtl="0" eaLnBrk="1" latinLnBrk="0" hangingPunct="1">
         <a:lnSpc>
           <a:spcPct val="90000"/>
         </a:lnSpc>
@@ -3660,7 +3771,7 @@
           <a:spcPct val="0"/>
         </a:spcBef>
         <a:buNone/>
-        <a:defRPr sz="1853" kern="1200">
+        <a:defRPr sz="1386" kern="1200">
           <a:solidFill>
             <a:schemeClr val="tx1"/>
           </a:solidFill>
@@ -3671,16 +3782,16 @@
       </a:lvl1pPr>
     </p:titleStyle>
     <p:bodyStyle>
-      <a:lvl1pPr marL="96286" indent="-96286" algn="l" defTabSz="385145" rtl="0" eaLnBrk="1" latinLnBrk="0" hangingPunct="1">
+      <a:lvl1pPr marL="71986" indent="-71986" algn="l" defTabSz="287945" rtl="0" eaLnBrk="1" latinLnBrk="0" hangingPunct="1">
         <a:lnSpc>
           <a:spcPct val="90000"/>
         </a:lnSpc>
         <a:spcBef>
-          <a:spcPts val="421"/>
+          <a:spcPts val="315"/>
         </a:spcBef>
         <a:buFont typeface="Arial" panose="020B0604020202020204" pitchFamily="34" charset="0"/>
         <a:buChar char="•"/>
-        <a:defRPr sz="1179" kern="1200">
+        <a:defRPr sz="882" kern="1200">
           <a:solidFill>
             <a:schemeClr val="tx1"/>
           </a:solidFill>
@@ -3689,16 +3800,16 @@
           <a:cs typeface="+mn-cs"/>
         </a:defRPr>
       </a:lvl1pPr>
-      <a:lvl2pPr marL="288859" indent="-96286" algn="l" defTabSz="385145" rtl="0" eaLnBrk="1" latinLnBrk="0" hangingPunct="1">
+      <a:lvl2pPr marL="215958" indent="-71986" algn="l" defTabSz="287945" rtl="0" eaLnBrk="1" latinLnBrk="0" hangingPunct="1">
         <a:lnSpc>
           <a:spcPct val="90000"/>
         </a:lnSpc>
         <a:spcBef>
-          <a:spcPts val="211"/>
+          <a:spcPts val="157"/>
         </a:spcBef>
         <a:buFont typeface="Arial" panose="020B0604020202020204" pitchFamily="34" charset="0"/>
         <a:buChar char="•"/>
-        <a:defRPr sz="1011" kern="1200">
+        <a:defRPr sz="756" kern="1200">
           <a:solidFill>
             <a:schemeClr val="tx1"/>
           </a:solidFill>
@@ -3707,16 +3818,16 @@
           <a:cs typeface="+mn-cs"/>
         </a:defRPr>
       </a:lvl2pPr>
-      <a:lvl3pPr marL="481432" indent="-96286" algn="l" defTabSz="385145" rtl="0" eaLnBrk="1" latinLnBrk="0" hangingPunct="1">
+      <a:lvl3pPr marL="359931" indent="-71986" algn="l" defTabSz="287945" rtl="0" eaLnBrk="1" latinLnBrk="0" hangingPunct="1">
         <a:lnSpc>
           <a:spcPct val="90000"/>
         </a:lnSpc>
         <a:spcBef>
-          <a:spcPts val="211"/>
+          <a:spcPts val="157"/>
         </a:spcBef>
         <a:buFont typeface="Arial" panose="020B0604020202020204" pitchFamily="34" charset="0"/>
         <a:buChar char="•"/>
-        <a:defRPr sz="842" kern="1200">
+        <a:defRPr sz="630" kern="1200">
           <a:solidFill>
             <a:schemeClr val="tx1"/>
           </a:solidFill>
@@ -3725,16 +3836,16 @@
           <a:cs typeface="+mn-cs"/>
         </a:defRPr>
       </a:lvl3pPr>
-      <a:lvl4pPr marL="674004" indent="-96286" algn="l" defTabSz="385145" rtl="0" eaLnBrk="1" latinLnBrk="0" hangingPunct="1">
+      <a:lvl4pPr marL="503903" indent="-71986" algn="l" defTabSz="287945" rtl="0" eaLnBrk="1" latinLnBrk="0" hangingPunct="1">
         <a:lnSpc>
           <a:spcPct val="90000"/>
         </a:lnSpc>
         <a:spcBef>
-          <a:spcPts val="211"/>
+          <a:spcPts val="157"/>
         </a:spcBef>
         <a:buFont typeface="Arial" panose="020B0604020202020204" pitchFamily="34" charset="0"/>
         <a:buChar char="•"/>
-        <a:defRPr sz="758" kern="1200">
+        <a:defRPr sz="567" kern="1200">
           <a:solidFill>
             <a:schemeClr val="tx1"/>
           </a:solidFill>
@@ -3743,16 +3854,16 @@
           <a:cs typeface="+mn-cs"/>
         </a:defRPr>
       </a:lvl4pPr>
-      <a:lvl5pPr marL="866577" indent="-96286" algn="l" defTabSz="385145" rtl="0" eaLnBrk="1" latinLnBrk="0" hangingPunct="1">
+      <a:lvl5pPr marL="647875" indent="-71986" algn="l" defTabSz="287945" rtl="0" eaLnBrk="1" latinLnBrk="0" hangingPunct="1">
         <a:lnSpc>
           <a:spcPct val="90000"/>
         </a:lnSpc>
         <a:spcBef>
-          <a:spcPts val="211"/>
+          <a:spcPts val="157"/>
         </a:spcBef>
         <a:buFont typeface="Arial" panose="020B0604020202020204" pitchFamily="34" charset="0"/>
         <a:buChar char="•"/>
-        <a:defRPr sz="758" kern="1200">
+        <a:defRPr sz="567" kern="1200">
           <a:solidFill>
             <a:schemeClr val="tx1"/>
           </a:solidFill>
@@ -3761,16 +3872,16 @@
           <a:cs typeface="+mn-cs"/>
         </a:defRPr>
       </a:lvl5pPr>
-      <a:lvl6pPr marL="1059150" indent="-96286" algn="l" defTabSz="385145" rtl="0" eaLnBrk="1" latinLnBrk="0" hangingPunct="1">
+      <a:lvl6pPr marL="791848" indent="-71986" algn="l" defTabSz="287945" rtl="0" eaLnBrk="1" latinLnBrk="0" hangingPunct="1">
         <a:lnSpc>
           <a:spcPct val="90000"/>
         </a:lnSpc>
         <a:spcBef>
-          <a:spcPts val="211"/>
+          <a:spcPts val="157"/>
         </a:spcBef>
         <a:buFont typeface="Arial" panose="020B0604020202020204" pitchFamily="34" charset="0"/>
         <a:buChar char="•"/>
-        <a:defRPr sz="758" kern="1200">
+        <a:defRPr sz="567" kern="1200">
           <a:solidFill>
             <a:schemeClr val="tx1"/>
           </a:solidFill>
@@ -3779,16 +3890,16 @@
           <a:cs typeface="+mn-cs"/>
         </a:defRPr>
       </a:lvl6pPr>
-      <a:lvl7pPr marL="1251722" indent="-96286" algn="l" defTabSz="385145" rtl="0" eaLnBrk="1" latinLnBrk="0" hangingPunct="1">
+      <a:lvl7pPr marL="935820" indent="-71986" algn="l" defTabSz="287945" rtl="0" eaLnBrk="1" latinLnBrk="0" hangingPunct="1">
         <a:lnSpc>
           <a:spcPct val="90000"/>
         </a:lnSpc>
         <a:spcBef>
-          <a:spcPts val="211"/>
+          <a:spcPts val="157"/>
         </a:spcBef>
         <a:buFont typeface="Arial" panose="020B0604020202020204" pitchFamily="34" charset="0"/>
         <a:buChar char="•"/>
-        <a:defRPr sz="758" kern="1200">
+        <a:defRPr sz="567" kern="1200">
           <a:solidFill>
             <a:schemeClr val="tx1"/>
           </a:solidFill>
@@ -3797,16 +3908,16 @@
           <a:cs typeface="+mn-cs"/>
         </a:defRPr>
       </a:lvl7pPr>
-      <a:lvl8pPr marL="1444295" indent="-96286" algn="l" defTabSz="385145" rtl="0" eaLnBrk="1" latinLnBrk="0" hangingPunct="1">
+      <a:lvl8pPr marL="1079792" indent="-71986" algn="l" defTabSz="287945" rtl="0" eaLnBrk="1" latinLnBrk="0" hangingPunct="1">
         <a:lnSpc>
           <a:spcPct val="90000"/>
         </a:lnSpc>
         <a:spcBef>
-          <a:spcPts val="211"/>
+          <a:spcPts val="157"/>
         </a:spcBef>
         <a:buFont typeface="Arial" panose="020B0604020202020204" pitchFamily="34" charset="0"/>
         <a:buChar char="•"/>
-        <a:defRPr sz="758" kern="1200">
+        <a:defRPr sz="567" kern="1200">
           <a:solidFill>
             <a:schemeClr val="tx1"/>
           </a:solidFill>
@@ -3815,16 +3926,16 @@
           <a:cs typeface="+mn-cs"/>
         </a:defRPr>
       </a:lvl8pPr>
-      <a:lvl9pPr marL="1636867" indent="-96286" algn="l" defTabSz="385145" rtl="0" eaLnBrk="1" latinLnBrk="0" hangingPunct="1">
+      <a:lvl9pPr marL="1223764" indent="-71986" algn="l" defTabSz="287945" rtl="0" eaLnBrk="1" latinLnBrk="0" hangingPunct="1">
         <a:lnSpc>
           <a:spcPct val="90000"/>
         </a:lnSpc>
         <a:spcBef>
-          <a:spcPts val="211"/>
+          <a:spcPts val="157"/>
         </a:spcBef>
         <a:buFont typeface="Arial" panose="020B0604020202020204" pitchFamily="34" charset="0"/>
         <a:buChar char="•"/>
-        <a:defRPr sz="758" kern="1200">
+        <a:defRPr sz="567" kern="1200">
           <a:solidFill>
             <a:schemeClr val="tx1"/>
           </a:solidFill>
@@ -3838,8 +3949,8 @@
       <a:defPPr>
         <a:defRPr lang="en-US"/>
       </a:defPPr>
-      <a:lvl1pPr marL="0" algn="l" defTabSz="385145" rtl="0" eaLnBrk="1" latinLnBrk="0" hangingPunct="1">
-        <a:defRPr sz="758" kern="1200">
+      <a:lvl1pPr marL="0" algn="l" defTabSz="287945" rtl="0" eaLnBrk="1" latinLnBrk="0" hangingPunct="1">
+        <a:defRPr sz="567" kern="1200">
           <a:solidFill>
             <a:schemeClr val="tx1"/>
           </a:solidFill>
@@ -3848,8 +3959,8 @@
           <a:cs typeface="+mn-cs"/>
         </a:defRPr>
       </a:lvl1pPr>
-      <a:lvl2pPr marL="192573" algn="l" defTabSz="385145" rtl="0" eaLnBrk="1" latinLnBrk="0" hangingPunct="1">
-        <a:defRPr sz="758" kern="1200">
+      <a:lvl2pPr marL="143972" algn="l" defTabSz="287945" rtl="0" eaLnBrk="1" latinLnBrk="0" hangingPunct="1">
+        <a:defRPr sz="567" kern="1200">
           <a:solidFill>
             <a:schemeClr val="tx1"/>
           </a:solidFill>
@@ -3858,8 +3969,8 @@
           <a:cs typeface="+mn-cs"/>
         </a:defRPr>
       </a:lvl2pPr>
-      <a:lvl3pPr marL="385145" algn="l" defTabSz="385145" rtl="0" eaLnBrk="1" latinLnBrk="0" hangingPunct="1">
-        <a:defRPr sz="758" kern="1200">
+      <a:lvl3pPr marL="287945" algn="l" defTabSz="287945" rtl="0" eaLnBrk="1" latinLnBrk="0" hangingPunct="1">
+        <a:defRPr sz="567" kern="1200">
           <a:solidFill>
             <a:schemeClr val="tx1"/>
           </a:solidFill>
@@ -3868,8 +3979,8 @@
           <a:cs typeface="+mn-cs"/>
         </a:defRPr>
       </a:lvl3pPr>
-      <a:lvl4pPr marL="577718" algn="l" defTabSz="385145" rtl="0" eaLnBrk="1" latinLnBrk="0" hangingPunct="1">
-        <a:defRPr sz="758" kern="1200">
+      <a:lvl4pPr marL="431917" algn="l" defTabSz="287945" rtl="0" eaLnBrk="1" latinLnBrk="0" hangingPunct="1">
+        <a:defRPr sz="567" kern="1200">
           <a:solidFill>
             <a:schemeClr val="tx1"/>
           </a:solidFill>
@@ -3878,8 +3989,8 @@
           <a:cs typeface="+mn-cs"/>
         </a:defRPr>
       </a:lvl4pPr>
-      <a:lvl5pPr marL="770291" algn="l" defTabSz="385145" rtl="0" eaLnBrk="1" latinLnBrk="0" hangingPunct="1">
-        <a:defRPr sz="758" kern="1200">
+      <a:lvl5pPr marL="575889" algn="l" defTabSz="287945" rtl="0" eaLnBrk="1" latinLnBrk="0" hangingPunct="1">
+        <a:defRPr sz="567" kern="1200">
           <a:solidFill>
             <a:schemeClr val="tx1"/>
           </a:solidFill>
@@ -3888,8 +3999,8 @@
           <a:cs typeface="+mn-cs"/>
         </a:defRPr>
       </a:lvl5pPr>
-      <a:lvl6pPr marL="962863" algn="l" defTabSz="385145" rtl="0" eaLnBrk="1" latinLnBrk="0" hangingPunct="1">
-        <a:defRPr sz="758" kern="1200">
+      <a:lvl6pPr marL="719861" algn="l" defTabSz="287945" rtl="0" eaLnBrk="1" latinLnBrk="0" hangingPunct="1">
+        <a:defRPr sz="567" kern="1200">
           <a:solidFill>
             <a:schemeClr val="tx1"/>
           </a:solidFill>
@@ -3898,8 +4009,8 @@
           <a:cs typeface="+mn-cs"/>
         </a:defRPr>
       </a:lvl6pPr>
-      <a:lvl7pPr marL="1155436" algn="l" defTabSz="385145" rtl="0" eaLnBrk="1" latinLnBrk="0" hangingPunct="1">
-        <a:defRPr sz="758" kern="1200">
+      <a:lvl7pPr marL="863834" algn="l" defTabSz="287945" rtl="0" eaLnBrk="1" latinLnBrk="0" hangingPunct="1">
+        <a:defRPr sz="567" kern="1200">
           <a:solidFill>
             <a:schemeClr val="tx1"/>
           </a:solidFill>
@@ -3908,8 +4019,8 @@
           <a:cs typeface="+mn-cs"/>
         </a:defRPr>
       </a:lvl7pPr>
-      <a:lvl8pPr marL="1348008" algn="l" defTabSz="385145" rtl="0" eaLnBrk="1" latinLnBrk="0" hangingPunct="1">
-        <a:defRPr sz="758" kern="1200">
+      <a:lvl8pPr marL="1007806" algn="l" defTabSz="287945" rtl="0" eaLnBrk="1" latinLnBrk="0" hangingPunct="1">
+        <a:defRPr sz="567" kern="1200">
           <a:solidFill>
             <a:schemeClr val="tx1"/>
           </a:solidFill>
@@ -3918,8 +4029,8 @@
           <a:cs typeface="+mn-cs"/>
         </a:defRPr>
       </a:lvl8pPr>
-      <a:lvl9pPr marL="1540581" algn="l" defTabSz="385145" rtl="0" eaLnBrk="1" latinLnBrk="0" hangingPunct="1">
-        <a:defRPr sz="758" kern="1200">
+      <a:lvl9pPr marL="1151778" algn="l" defTabSz="287945" rtl="0" eaLnBrk="1" latinLnBrk="0" hangingPunct="1">
+        <a:defRPr sz="567" kern="1200">
           <a:solidFill>
             <a:schemeClr val="tx1"/>
           </a:solidFill>
@@ -3952,10 +4063,10 @@
       </p:grpSpPr>
       <p:pic>
         <p:nvPicPr>
-          <p:cNvPr id="76" name="Picture 75" descr="Chart, line chart&#10;&#10;Description automatically generated">
+          <p:cNvPr id="8" name="Immagine 7" descr="Immagine che contiene testo, linea, diagramma, Diagramma&#10;&#10;Descrizione generata automaticamente">
             <a:extLst>
               <a:ext uri="{FF2B5EF4-FFF2-40B4-BE49-F238E27FC236}">
-                <a16:creationId xmlns:a16="http://schemas.microsoft.com/office/drawing/2014/main" id="{D1DFD8A8-DBB2-4B56-B0EC-34525B633039}"/>
+                <a16:creationId xmlns:a16="http://schemas.microsoft.com/office/drawing/2014/main" id="{DEC98534-0DEE-C7ED-9CA2-B971541A6904}"/>
               </a:ext>
             </a:extLst>
           </p:cNvPr>
@@ -3972,13 +4083,13 @@
               </a:ext>
             </a:extLst>
           </a:blip>
-          <a:srcRect l="6359" t="5423" r="8579" b="3511"/>
+          <a:srcRect t="10311"/>
           <a:stretch/>
         </p:blipFill>
         <p:spPr>
           <a:xfrm>
-            <a:off x="170591" y="47397"/>
-            <a:ext cx="3600000" cy="2890907"/>
+            <a:off x="4444" y="273457"/>
+            <a:ext cx="3095625" cy="2776447"/>
           </a:xfrm>
           <a:prstGeom prst="rect">
             <a:avLst/>
@@ -3987,10 +4098,10 @@
       </p:pic>
       <p:sp>
         <p:nvSpPr>
-          <p:cNvPr id="85" name="TextBox 84">
+          <p:cNvPr id="9" name="TextBox 96">
             <a:extLst>
               <a:ext uri="{FF2B5EF4-FFF2-40B4-BE49-F238E27FC236}">
-                <a16:creationId xmlns:a16="http://schemas.microsoft.com/office/drawing/2014/main" id="{B84050CC-BD02-4025-8849-B0572D4D71F1}"/>
+                <a16:creationId xmlns:a16="http://schemas.microsoft.com/office/drawing/2014/main" id="{E433F94B-C2A7-799F-E84E-6CB403A502DA}"/>
               </a:ext>
             </a:extLst>
           </p:cNvPr>
@@ -3998,9 +4109,9 @@
           <p:nvPr/>
         </p:nvSpPr>
         <p:spPr>
-          <a:xfrm rot="16200000">
-            <a:off x="-1341393" y="1369740"/>
-            <a:ext cx="2890908" cy="246221"/>
+          <a:xfrm>
+            <a:off x="403859" y="-45720"/>
+            <a:ext cx="2392681" cy="400110"/>
           </a:xfrm>
           <a:prstGeom prst="rect">
             <a:avLst/>
@@ -4015,18 +4126,30 @@
           <a:p>
             <a:pPr algn="ctr"/>
             <a:r>
-              <a:rPr lang="en-GB" sz="1000" dirty="0"/>
-              <a:t>Hit Rate</a:t>
-            </a:r>
-          </a:p>
-        </p:txBody>
-      </p:sp>
-      <p:sp>
-        <p:nvSpPr>
-          <p:cNvPr id="86" name="TextBox 85">
+              <a:rPr lang="en-GB" sz="1000" b="1" dirty="0"/>
+              <a:t>ROC curves for (t+60,t+72) </a:t>
+            </a:r>
+          </a:p>
+          <a:p>
+            <a:pPr algn="ctr"/>
+            <a:r>
+              <a:rPr lang="en-GB" sz="1000" b="1" dirty="0"/>
+              <a:t>EFFCI&gt;=6, tp&gt;=VRT</a:t>
+            </a:r>
+            <a:r>
+              <a:rPr lang="en-GB" sz="1000" b="1" baseline="-25000" dirty="0"/>
+              <a:t>S</a:t>
+            </a:r>
+            <a:endParaRPr lang="en-GB" sz="1000" b="1" dirty="0"/>
+          </a:p>
+        </p:txBody>
+      </p:sp>
+      <p:sp>
+        <p:nvSpPr>
+          <p:cNvPr id="10" name="TextBox 96">
             <a:extLst>
               <a:ext uri="{FF2B5EF4-FFF2-40B4-BE49-F238E27FC236}">
-                <a16:creationId xmlns:a16="http://schemas.microsoft.com/office/drawing/2014/main" id="{546ECBEE-7335-40F5-8D4E-D04BC7F6C371}"/>
+                <a16:creationId xmlns:a16="http://schemas.microsoft.com/office/drawing/2014/main" id="{A6A3AB02-C137-1ED7-5AEC-B31CD2C362B5}"/>
               </a:ext>
             </a:extLst>
           </p:cNvPr>
@@ -4035,8 +4158,8 @@
         </p:nvSpPr>
         <p:spPr>
           <a:xfrm>
-            <a:off x="170591" y="2890679"/>
-            <a:ext cx="3600000" cy="246221"/>
+            <a:off x="1226533" y="1932604"/>
+            <a:ext cx="1417607" cy="369332"/>
           </a:xfrm>
           <a:prstGeom prst="rect">
             <a:avLst/>
@@ -4049,698 +4172,39 @@
           </a:bodyPr>
           <a:lstStyle/>
           <a:p>
-            <a:pPr algn="ctr"/>
-            <a:r>
-              <a:rPr lang="en-GB" sz="1000" dirty="0"/>
-              <a:t>False Alarm Rate</a:t>
-            </a:r>
-          </a:p>
-        </p:txBody>
-      </p:sp>
-      <p:grpSp>
-        <p:nvGrpSpPr>
-          <p:cNvPr id="87" name="Group 86">
-            <a:extLst>
-              <a:ext uri="{FF2B5EF4-FFF2-40B4-BE49-F238E27FC236}">
-                <a16:creationId xmlns:a16="http://schemas.microsoft.com/office/drawing/2014/main" id="{A7A9CAAF-BFCB-4FBF-9659-3AFC89789608}"/>
-              </a:ext>
-            </a:extLst>
-          </p:cNvPr>
-          <p:cNvGrpSpPr/>
-          <p:nvPr/>
-        </p:nvGrpSpPr>
-        <p:grpSpPr>
-          <a:xfrm>
-            <a:off x="1833005" y="1793298"/>
-            <a:ext cx="1832977" cy="797946"/>
-            <a:chOff x="1299369" y="2254170"/>
-            <a:chExt cx="1832977" cy="797946"/>
-          </a:xfrm>
-        </p:grpSpPr>
-        <p:sp>
-          <p:nvSpPr>
-            <p:cNvPr id="88" name="Rectangle 87">
-              <a:extLst>
-                <a:ext uri="{FF2B5EF4-FFF2-40B4-BE49-F238E27FC236}">
-                  <a16:creationId xmlns:a16="http://schemas.microsoft.com/office/drawing/2014/main" id="{1DBEA14F-6A65-4970-84F9-326ECFDFEC2A}"/>
-                </a:ext>
-              </a:extLst>
-            </p:cNvPr>
-            <p:cNvSpPr/>
-            <p:nvPr/>
-          </p:nvSpPr>
-          <p:spPr>
-            <a:xfrm>
-              <a:off x="1308371" y="2254170"/>
-              <a:ext cx="1823975" cy="797945"/>
-            </a:xfrm>
-            <a:prstGeom prst="rect">
-              <a:avLst/>
-            </a:prstGeom>
-            <a:solidFill>
-              <a:schemeClr val="bg1"/>
-            </a:solidFill>
-            <a:ln w="3175">
-              <a:solidFill>
-                <a:schemeClr val="tx1"/>
-              </a:solidFill>
-            </a:ln>
-          </p:spPr>
-          <p:style>
-            <a:lnRef idx="2">
-              <a:schemeClr val="accent1">
-                <a:shade val="50000"/>
-              </a:schemeClr>
-            </a:lnRef>
-            <a:fillRef idx="1">
-              <a:schemeClr val="accent1"/>
-            </a:fillRef>
-            <a:effectRef idx="0">
-              <a:schemeClr val="accent1"/>
-            </a:effectRef>
-            <a:fontRef idx="minor">
-              <a:schemeClr val="lt1"/>
-            </a:fontRef>
-          </p:style>
-          <p:txBody>
-            <a:bodyPr rtlCol="0" anchor="ctr"/>
-            <a:lstStyle/>
-            <a:p>
-              <a:pPr algn="ctr"/>
-              <a:endParaRPr lang="en-GB" sz="1000"/>
-            </a:p>
-          </p:txBody>
-        </p:sp>
-        <p:sp>
-          <p:nvSpPr>
-            <p:cNvPr id="89" name="Rectangle 88">
-              <a:extLst>
-                <a:ext uri="{FF2B5EF4-FFF2-40B4-BE49-F238E27FC236}">
-                  <a16:creationId xmlns:a16="http://schemas.microsoft.com/office/drawing/2014/main" id="{20010A54-D7FE-406B-8647-2A28221BCCAE}"/>
-                </a:ext>
-              </a:extLst>
-            </p:cNvPr>
-            <p:cNvSpPr/>
-            <p:nvPr/>
-          </p:nvSpPr>
-          <p:spPr>
-            <a:xfrm>
-              <a:off x="1866485" y="2747254"/>
-              <a:ext cx="180000" cy="47524"/>
-            </a:xfrm>
-            <a:prstGeom prst="rect">
-              <a:avLst/>
-            </a:prstGeom>
-            <a:solidFill>
-              <a:srgbClr val="FF0000"/>
-            </a:solidFill>
-            <a:ln>
-              <a:noFill/>
-            </a:ln>
-          </p:spPr>
-          <p:style>
-            <a:lnRef idx="2">
-              <a:schemeClr val="accent1">
-                <a:shade val="50000"/>
-              </a:schemeClr>
-            </a:lnRef>
-            <a:fillRef idx="1">
-              <a:schemeClr val="accent1"/>
-            </a:fillRef>
-            <a:effectRef idx="0">
-              <a:schemeClr val="accent1"/>
-            </a:effectRef>
-            <a:fontRef idx="minor">
-              <a:schemeClr val="lt1"/>
-            </a:fontRef>
-          </p:style>
-          <p:txBody>
-            <a:bodyPr rtlCol="0" anchor="ctr"/>
-            <a:lstStyle/>
-            <a:p>
-              <a:pPr algn="ctr"/>
-              <a:endParaRPr lang="en-GB" sz="1000"/>
-            </a:p>
-          </p:txBody>
-        </p:sp>
-        <p:cxnSp>
-          <p:nvCxnSpPr>
-            <p:cNvPr id="90" name="Straight Connector 89">
-              <a:extLst>
-                <a:ext uri="{FF2B5EF4-FFF2-40B4-BE49-F238E27FC236}">
-                  <a16:creationId xmlns:a16="http://schemas.microsoft.com/office/drawing/2014/main" id="{03BE654A-03E7-465F-BE98-334B53E4526F}"/>
-                </a:ext>
-              </a:extLst>
-            </p:cNvPr>
-            <p:cNvCxnSpPr>
-              <a:cxnSpLocks/>
-            </p:cNvCxnSpPr>
-            <p:nvPr/>
-          </p:nvCxnSpPr>
-          <p:spPr>
-            <a:xfrm>
-              <a:off x="2899627" y="2929004"/>
-              <a:ext cx="180000" cy="0"/>
-            </a:xfrm>
-            <a:prstGeom prst="line">
-              <a:avLst/>
-            </a:prstGeom>
-            <a:ln w="28575">
-              <a:solidFill>
-                <a:schemeClr val="tx1"/>
-              </a:solidFill>
-              <a:prstDash val="sysDot"/>
-            </a:ln>
-          </p:spPr>
-          <p:style>
-            <a:lnRef idx="1">
-              <a:schemeClr val="accent1"/>
-            </a:lnRef>
-            <a:fillRef idx="0">
-              <a:schemeClr val="accent1"/>
-            </a:fillRef>
-            <a:effectRef idx="0">
-              <a:schemeClr val="accent1"/>
-            </a:effectRef>
-            <a:fontRef idx="minor">
-              <a:schemeClr val="tx1"/>
-            </a:fontRef>
-          </p:style>
-        </p:cxnSp>
-        <p:cxnSp>
-          <p:nvCxnSpPr>
-            <p:cNvPr id="91" name="Straight Connector 90">
-              <a:extLst>
-                <a:ext uri="{FF2B5EF4-FFF2-40B4-BE49-F238E27FC236}">
-                  <a16:creationId xmlns:a16="http://schemas.microsoft.com/office/drawing/2014/main" id="{ACCA1DC4-9A0E-4626-AF3C-D64D08798ACC}"/>
-                </a:ext>
-              </a:extLst>
-            </p:cNvPr>
-            <p:cNvCxnSpPr>
-              <a:cxnSpLocks/>
-            </p:cNvCxnSpPr>
-            <p:nvPr/>
-          </p:nvCxnSpPr>
-          <p:spPr>
-            <a:xfrm>
-              <a:off x="2899627" y="2771016"/>
-              <a:ext cx="180000" cy="0"/>
-            </a:xfrm>
-            <a:prstGeom prst="line">
-              <a:avLst/>
-            </a:prstGeom>
-            <a:ln w="28575">
-              <a:solidFill>
-                <a:schemeClr val="tx1"/>
-              </a:solidFill>
-              <a:prstDash val="solid"/>
-            </a:ln>
-          </p:spPr>
-          <p:style>
-            <a:lnRef idx="1">
-              <a:schemeClr val="accent1"/>
-            </a:lnRef>
-            <a:fillRef idx="0">
-              <a:schemeClr val="accent1"/>
-            </a:fillRef>
-            <a:effectRef idx="0">
-              <a:schemeClr val="accent1"/>
-            </a:effectRef>
-            <a:fontRef idx="minor">
-              <a:schemeClr val="tx1"/>
-            </a:fontRef>
-          </p:style>
-        </p:cxnSp>
-        <p:sp>
-          <p:nvSpPr>
-            <p:cNvPr id="92" name="TextBox 91">
-              <a:extLst>
-                <a:ext uri="{FF2B5EF4-FFF2-40B4-BE49-F238E27FC236}">
-                  <a16:creationId xmlns:a16="http://schemas.microsoft.com/office/drawing/2014/main" id="{273C522A-70D0-4120-994D-0DB9628E3CA7}"/>
-                </a:ext>
-              </a:extLst>
-            </p:cNvPr>
-            <p:cNvSpPr txBox="1"/>
-            <p:nvPr/>
-          </p:nvSpPr>
-          <p:spPr>
-            <a:xfrm>
-              <a:off x="1432196" y="2647906"/>
-              <a:ext cx="481914" cy="246221"/>
-            </a:xfrm>
-            <a:prstGeom prst="rect">
-              <a:avLst/>
-            </a:prstGeom>
-            <a:noFill/>
-          </p:spPr>
-          <p:txBody>
-            <a:bodyPr wrap="square" rtlCol="0">
-              <a:spAutoFit/>
-            </a:bodyPr>
-            <a:lstStyle/>
-            <a:p>
-              <a:pPr algn="r"/>
-              <a:r>
-                <a:rPr lang="en-GB" sz="1000" dirty="0"/>
-                <a:t>ENS</a:t>
-              </a:r>
-            </a:p>
-          </p:txBody>
-        </p:sp>
-        <p:sp>
-          <p:nvSpPr>
-            <p:cNvPr id="93" name="TextBox 92">
-              <a:extLst>
-                <a:ext uri="{FF2B5EF4-FFF2-40B4-BE49-F238E27FC236}">
-                  <a16:creationId xmlns:a16="http://schemas.microsoft.com/office/drawing/2014/main" id="{61C18287-0490-4971-9BD3-D02F25F884D0}"/>
-                </a:ext>
-              </a:extLst>
-            </p:cNvPr>
-            <p:cNvSpPr txBox="1"/>
-            <p:nvPr/>
-          </p:nvSpPr>
-          <p:spPr>
-            <a:xfrm>
-              <a:off x="1299369" y="2805895"/>
-              <a:ext cx="614741" cy="246221"/>
-            </a:xfrm>
-            <a:prstGeom prst="rect">
-              <a:avLst/>
-            </a:prstGeom>
-            <a:noFill/>
-          </p:spPr>
-          <p:txBody>
-            <a:bodyPr wrap="square" rtlCol="0">
-              <a:spAutoFit/>
-            </a:bodyPr>
-            <a:lstStyle/>
-            <a:p>
-              <a:pPr algn="r"/>
-              <a:r>
-                <a:rPr lang="en-GB" sz="1000" dirty="0"/>
-                <a:t>ecPoint</a:t>
-              </a:r>
-            </a:p>
-          </p:txBody>
-        </p:sp>
-        <p:sp>
-          <p:nvSpPr>
-            <p:cNvPr id="94" name="TextBox 93">
-              <a:extLst>
-                <a:ext uri="{FF2B5EF4-FFF2-40B4-BE49-F238E27FC236}">
-                  <a16:creationId xmlns:a16="http://schemas.microsoft.com/office/drawing/2014/main" id="{89033442-B035-4859-AEBE-12164890F587}"/>
-                </a:ext>
-              </a:extLst>
-            </p:cNvPr>
-            <p:cNvSpPr txBox="1"/>
-            <p:nvPr/>
-          </p:nvSpPr>
-          <p:spPr>
-            <a:xfrm>
-              <a:off x="2096557" y="2647906"/>
-              <a:ext cx="854970" cy="246221"/>
-            </a:xfrm>
-            <a:prstGeom prst="rect">
-              <a:avLst/>
-            </a:prstGeom>
-            <a:noFill/>
-          </p:spPr>
-          <p:txBody>
-            <a:bodyPr wrap="square" rtlCol="0">
-              <a:spAutoFit/>
-            </a:bodyPr>
-            <a:lstStyle/>
-            <a:p>
-              <a:pPr algn="r"/>
-              <a:r>
-                <a:rPr lang="en-GB" sz="1000" dirty="0"/>
-                <a:t>“La Costa”</a:t>
-              </a:r>
-            </a:p>
-          </p:txBody>
-        </p:sp>
-        <p:sp>
-          <p:nvSpPr>
-            <p:cNvPr id="95" name="TextBox 94">
-              <a:extLst>
-                <a:ext uri="{FF2B5EF4-FFF2-40B4-BE49-F238E27FC236}">
-                  <a16:creationId xmlns:a16="http://schemas.microsoft.com/office/drawing/2014/main" id="{DAD612B0-846F-4C63-9EDB-718484E8C3E6}"/>
-                </a:ext>
-              </a:extLst>
-            </p:cNvPr>
-            <p:cNvSpPr txBox="1"/>
-            <p:nvPr/>
-          </p:nvSpPr>
-          <p:spPr>
-            <a:xfrm>
-              <a:off x="2106082" y="2805894"/>
-              <a:ext cx="845445" cy="246221"/>
-            </a:xfrm>
-            <a:prstGeom prst="rect">
-              <a:avLst/>
-            </a:prstGeom>
-            <a:noFill/>
-          </p:spPr>
-          <p:txBody>
-            <a:bodyPr wrap="square" rtlCol="0">
-              <a:spAutoFit/>
-            </a:bodyPr>
-            <a:lstStyle/>
-            <a:p>
-              <a:pPr algn="r"/>
-              <a:r>
-                <a:rPr lang="en-GB" sz="1000" dirty="0"/>
-                <a:t>“La Sierra”</a:t>
-              </a:r>
-            </a:p>
-          </p:txBody>
-        </p:sp>
-        <p:sp>
-          <p:nvSpPr>
-            <p:cNvPr id="96" name="Rectangle 95">
-              <a:extLst>
-                <a:ext uri="{FF2B5EF4-FFF2-40B4-BE49-F238E27FC236}">
-                  <a16:creationId xmlns:a16="http://schemas.microsoft.com/office/drawing/2014/main" id="{4212EA74-8513-4B7E-9AE9-5D4DCCAB8C8B}"/>
-                </a:ext>
-              </a:extLst>
-            </p:cNvPr>
-            <p:cNvSpPr/>
-            <p:nvPr/>
-          </p:nvSpPr>
-          <p:spPr>
-            <a:xfrm>
-              <a:off x="1866485" y="2905243"/>
-              <a:ext cx="180000" cy="47524"/>
-            </a:xfrm>
-            <a:prstGeom prst="rect">
-              <a:avLst/>
-            </a:prstGeom>
-            <a:solidFill>
-              <a:srgbClr val="0000FF"/>
-            </a:solidFill>
-            <a:ln>
-              <a:noFill/>
-            </a:ln>
-          </p:spPr>
-          <p:style>
-            <a:lnRef idx="2">
-              <a:schemeClr val="accent1">
-                <a:shade val="50000"/>
-              </a:schemeClr>
-            </a:lnRef>
-            <a:fillRef idx="1">
-              <a:schemeClr val="accent1"/>
-            </a:fillRef>
-            <a:effectRef idx="0">
-              <a:schemeClr val="accent1"/>
-            </a:effectRef>
-            <a:fontRef idx="minor">
-              <a:schemeClr val="lt1"/>
-            </a:fontRef>
-          </p:style>
-          <p:txBody>
-            <a:bodyPr rtlCol="0" anchor="ctr"/>
-            <a:lstStyle/>
-            <a:p>
-              <a:pPr algn="ctr"/>
-              <a:endParaRPr lang="en-GB" sz="1000">
-                <a:solidFill>
-                  <a:srgbClr val="0000FF"/>
-                </a:solidFill>
-              </a:endParaRPr>
-            </a:p>
-          </p:txBody>
-        </p:sp>
-      </p:grpSp>
-      <p:sp>
-        <p:nvSpPr>
-          <p:cNvPr id="97" name="TextBox 96">
-            <a:extLst>
-              <a:ext uri="{FF2B5EF4-FFF2-40B4-BE49-F238E27FC236}">
-                <a16:creationId xmlns:a16="http://schemas.microsoft.com/office/drawing/2014/main" id="{C7F9F045-76DC-4ED7-BE41-6D023156B1E4}"/>
-              </a:ext>
-            </a:extLst>
-          </p:cNvPr>
-          <p:cNvSpPr txBox="1"/>
-          <p:nvPr/>
-        </p:nvSpPr>
-        <p:spPr>
-          <a:xfrm>
-            <a:off x="1842007" y="1793298"/>
-            <a:ext cx="1823975" cy="400110"/>
-          </a:xfrm>
-          <a:prstGeom prst="rect">
-            <a:avLst/>
-          </a:prstGeom>
-          <a:noFill/>
-        </p:spPr>
-        <p:txBody>
-          <a:bodyPr wrap="square" rtlCol="0">
-            <a:spAutoFit/>
-          </a:bodyPr>
-          <a:lstStyle/>
-          <a:p>
-            <a:pPr algn="ctr"/>
-            <a:r>
-              <a:rPr lang="en-GB" sz="1000" b="1" dirty="0"/>
-              <a:t>ROC Curves for (t+60,t+72) </a:t>
-            </a:r>
-          </a:p>
-          <a:p>
-            <a:pPr algn="ctr"/>
-            <a:r>
-              <a:rPr lang="en-GB" sz="1000" b="1" dirty="0"/>
-              <a:t>VRE99</a:t>
-            </a:r>
-          </a:p>
-        </p:txBody>
-      </p:sp>
-      <p:sp>
-        <p:nvSpPr>
-          <p:cNvPr id="98" name="TextBox 97">
-            <a:extLst>
-              <a:ext uri="{FF2B5EF4-FFF2-40B4-BE49-F238E27FC236}">
-                <a16:creationId xmlns:a16="http://schemas.microsoft.com/office/drawing/2014/main" id="{8CC90045-878E-409C-978D-364F0173A2B3}"/>
-              </a:ext>
-            </a:extLst>
-          </p:cNvPr>
-          <p:cNvSpPr txBox="1"/>
-          <p:nvPr/>
-        </p:nvSpPr>
-        <p:spPr>
-          <a:xfrm>
-            <a:off x="333375" y="2706049"/>
-            <a:ext cx="3600000" cy="246221"/>
-          </a:xfrm>
-          <a:prstGeom prst="rect">
-            <a:avLst/>
-          </a:prstGeom>
-          <a:solidFill>
-            <a:schemeClr val="bg1"/>
-          </a:solidFill>
-        </p:spPr>
-        <p:txBody>
-          <a:bodyPr wrap="square" rtlCol="0">
-            <a:spAutoFit/>
-          </a:bodyPr>
-          <a:lstStyle/>
-          <a:p>
-            <a:r>
-              <a:rPr lang="en-US" sz="1000" dirty="0"/>
-              <a:t>0                   0.2                  0.4                 0.6                 0.8                   1                </a:t>
-            </a:r>
-            <a:endParaRPr lang="en-GB" sz="1000" dirty="0"/>
-          </a:p>
-        </p:txBody>
-      </p:sp>
-      <p:sp>
-        <p:nvSpPr>
-          <p:cNvPr id="99" name="Rectangle 98">
-            <a:extLst>
-              <a:ext uri="{FF2B5EF4-FFF2-40B4-BE49-F238E27FC236}">
-                <a16:creationId xmlns:a16="http://schemas.microsoft.com/office/drawing/2014/main" id="{B37F218E-B31C-4A0B-AAF1-9F3AD0E2E8E3}"/>
-              </a:ext>
-            </a:extLst>
-          </p:cNvPr>
-          <p:cNvSpPr/>
-          <p:nvPr/>
-        </p:nvSpPr>
-        <p:spPr>
-          <a:xfrm>
-            <a:off x="171450" y="38099"/>
-            <a:ext cx="246222" cy="2914171"/>
-          </a:xfrm>
-          <a:prstGeom prst="rect">
-            <a:avLst/>
-          </a:prstGeom>
-          <a:solidFill>
-            <a:schemeClr val="bg1"/>
-          </a:solidFill>
-          <a:ln>
-            <a:noFill/>
-          </a:ln>
-        </p:spPr>
-        <p:style>
-          <a:lnRef idx="2">
-            <a:schemeClr val="accent1">
-              <a:shade val="50000"/>
-            </a:schemeClr>
-          </a:lnRef>
-          <a:fillRef idx="1">
-            <a:schemeClr val="accent1"/>
-          </a:fillRef>
-          <a:effectRef idx="0">
-            <a:schemeClr val="accent1"/>
-          </a:effectRef>
-          <a:fontRef idx="minor">
-            <a:schemeClr val="lt1"/>
-          </a:fontRef>
-        </p:style>
-        <p:txBody>
-          <a:bodyPr rtlCol="0" anchor="ctr"/>
-          <a:lstStyle/>
-          <a:p>
-            <a:pPr algn="ctr"/>
-            <a:endParaRPr lang="en-GB"/>
-          </a:p>
-        </p:txBody>
-      </p:sp>
-      <p:sp>
-        <p:nvSpPr>
-          <p:cNvPr id="100" name="TextBox 99">
-            <a:extLst>
-              <a:ext uri="{FF2B5EF4-FFF2-40B4-BE49-F238E27FC236}">
-                <a16:creationId xmlns:a16="http://schemas.microsoft.com/office/drawing/2014/main" id="{1297E359-CABF-4375-BC0C-433B8CBA7F76}"/>
-              </a:ext>
-            </a:extLst>
-          </p:cNvPr>
-          <p:cNvSpPr txBox="1"/>
-          <p:nvPr/>
-        </p:nvSpPr>
-        <p:spPr>
-          <a:xfrm>
-            <a:off x="62931" y="0"/>
-            <a:ext cx="428625" cy="2954655"/>
-          </a:xfrm>
-          <a:prstGeom prst="rect">
-            <a:avLst/>
-          </a:prstGeom>
-          <a:noFill/>
-        </p:spPr>
-        <p:txBody>
-          <a:bodyPr wrap="square" rtlCol="0">
-            <a:spAutoFit/>
-          </a:bodyPr>
-          <a:lstStyle/>
-          <a:p>
-            <a:pPr algn="r"/>
-            <a:r>
-              <a:rPr lang="en-US" sz="1000" dirty="0"/>
-              <a:t>1</a:t>
-            </a:r>
-          </a:p>
-          <a:p>
-            <a:pPr algn="r"/>
-            <a:endParaRPr lang="en-US" sz="1000" dirty="0"/>
-          </a:p>
-          <a:p>
-            <a:pPr algn="r"/>
-            <a:endParaRPr lang="en-US" sz="1000" dirty="0"/>
-          </a:p>
-          <a:p>
-            <a:pPr algn="r"/>
-            <a:endParaRPr lang="en-US" sz="200" dirty="0"/>
-          </a:p>
-          <a:p>
-            <a:pPr algn="r"/>
-            <a:r>
-              <a:rPr lang="en-US" sz="1000" dirty="0"/>
-              <a:t>0.8</a:t>
-            </a:r>
-          </a:p>
-          <a:p>
-            <a:pPr algn="r"/>
-            <a:endParaRPr lang="en-US" sz="1000" dirty="0"/>
-          </a:p>
-          <a:p>
-            <a:pPr algn="r"/>
-            <a:endParaRPr lang="en-US" sz="1000" dirty="0"/>
-          </a:p>
-          <a:p>
-            <a:pPr algn="r"/>
-            <a:endParaRPr lang="en-US" sz="400" dirty="0"/>
-          </a:p>
-          <a:p>
-            <a:pPr algn="r"/>
-            <a:r>
-              <a:rPr lang="en-US" sz="1000" dirty="0"/>
-              <a:t>0.6</a:t>
-            </a:r>
-          </a:p>
-          <a:p>
-            <a:pPr algn="r"/>
-            <a:endParaRPr lang="en-US" sz="1000" dirty="0"/>
-          </a:p>
-          <a:p>
-            <a:pPr algn="r"/>
-            <a:endParaRPr lang="en-US" sz="1000" dirty="0"/>
-          </a:p>
-          <a:p>
-            <a:pPr algn="r"/>
-            <a:endParaRPr lang="en-US" sz="400" dirty="0"/>
-          </a:p>
-          <a:p>
-            <a:pPr algn="r"/>
-            <a:r>
-              <a:rPr lang="en-US" sz="1000" dirty="0"/>
-              <a:t>0.4</a:t>
-            </a:r>
-          </a:p>
-          <a:p>
-            <a:pPr algn="r"/>
-            <a:endParaRPr lang="en-US" sz="1000" dirty="0"/>
-          </a:p>
-          <a:p>
-            <a:pPr algn="r"/>
-            <a:endParaRPr lang="en-US" sz="1000" dirty="0"/>
-          </a:p>
-          <a:p>
-            <a:pPr algn="r"/>
-            <a:endParaRPr lang="en-US" sz="400" dirty="0"/>
-          </a:p>
-          <a:p>
-            <a:pPr algn="r"/>
-            <a:r>
-              <a:rPr lang="en-US" sz="1000" dirty="0"/>
-              <a:t>0.2</a:t>
-            </a:r>
-          </a:p>
-          <a:p>
-            <a:pPr algn="r"/>
-            <a:endParaRPr lang="en-US" sz="1000" dirty="0"/>
-          </a:p>
-          <a:p>
-            <a:pPr algn="r"/>
-            <a:endParaRPr lang="en-US" sz="1000" dirty="0"/>
-          </a:p>
-          <a:p>
-            <a:pPr algn="r"/>
-            <a:endParaRPr lang="en-US" sz="600" dirty="0"/>
-          </a:p>
-          <a:p>
-            <a:pPr algn="r"/>
-            <a:r>
-              <a:rPr lang="en-US" sz="1000" dirty="0"/>
-              <a:t>0</a:t>
-            </a:r>
-            <a:endParaRPr lang="en-GB" sz="1000" dirty="0"/>
+            <a:r>
+              <a:rPr lang="en-GB" sz="900" dirty="0"/>
+              <a:t>Costa: VRT</a:t>
+            </a:r>
+            <a:r>
+              <a:rPr lang="en-GB" sz="900" baseline="-25000" dirty="0"/>
+              <a:t>S</a:t>
+            </a:r>
+            <a:r>
+              <a:rPr lang="en-GB" sz="900" dirty="0"/>
+              <a:t> = 50 mm/12h</a:t>
+            </a:r>
+          </a:p>
+          <a:p>
+            <a:r>
+              <a:rPr lang="en-GB" sz="900" dirty="0"/>
+              <a:t>Sierra: VRT</a:t>
+            </a:r>
+            <a:r>
+              <a:rPr lang="en-GB" sz="900" baseline="-25000" dirty="0"/>
+              <a:t>S</a:t>
+            </a:r>
+            <a:r>
+              <a:rPr lang="en-GB" sz="900" dirty="0"/>
+              <a:t> = 26 mm/12h</a:t>
+            </a:r>
           </a:p>
         </p:txBody>
       </p:sp>
     </p:spTree>
     <p:extLst>
       <p:ext uri="{BB962C8B-B14F-4D97-AF65-F5344CB8AC3E}">
-        <p14:creationId xmlns:p14="http://schemas.microsoft.com/office/powerpoint/2010/main" val="1692518661"/>
+        <p14:creationId xmlns:p14="http://schemas.microsoft.com/office/powerpoint/2010/main" val="1091364156"/>
       </p:ext>
     </p:extLst>
   </p:cSld>
@@ -4751,9 +4215,9 @@
 </file>
 
 <file path=ppt/theme/theme1.xml><?xml version="1.0" encoding="utf-8"?>
-<a:theme xmlns:a="http://schemas.openxmlformats.org/drawingml/2006/main" name="Office Theme">
+<a:theme xmlns:a="http://schemas.openxmlformats.org/drawingml/2006/main" name="Tema di Office">
   <a:themeElements>
-    <a:clrScheme name="Office Theme">
+    <a:clrScheme name="Tema di Office">
       <a:dk1>
         <a:sysClr val="windowText" lastClr="000000"/>
       </a:dk1>
@@ -4791,7 +4255,7 @@
         <a:srgbClr val="954F72"/>
       </a:folHlink>
     </a:clrScheme>
-    <a:fontScheme name="Office Theme">
+    <a:fontScheme name="Tema di Office">
       <a:majorFont>
         <a:latin typeface="Calibri Light" panose="020F0302020204030204"/>
         <a:ea typeface=""/>
@@ -4863,7 +4327,7 @@
         <a:font script="Geor" typeface="Sylfaen"/>
       </a:minorFont>
     </a:fontScheme>
-    <a:fmtScheme name="Office Theme">
+    <a:fmtScheme name="Tema di Office">
       <a:fillStyleLst>
         <a:solidFill>
           <a:schemeClr val="phClr"/>
@@ -5005,7 +4469,7 @@
   <a:extraClrSchemeLst/>
   <a:extLst>
     <a:ext uri="{05A4C25C-085E-4340-85A3-A5531E510DB2}">
-      <thm15:themeFamily xmlns:thm15="http://schemas.microsoft.com/office/thememl/2012/main" name="Office Theme" id="{62F939B6-93AF-4DB8-9C6B-D6C7DFDC589F}" vid="{4A3C46E8-61CC-4603-A589-7422A47A8E4A}"/>
+      <thm15:themeFamily xmlns:thm15="http://schemas.microsoft.com/office/thememl/2012/main" name="Office 2013 - 2022 Theme" id="{62F939B6-93AF-4DB8-9C6B-D6C7DFDC589F}" vid="{4A3C46E8-61CC-4603-A589-7422A47A8E4A}"/>
     </a:ext>
   </a:extLst>
 </a:theme>
